--- a/Document/01_SOP_기능자료/WhoCrush.pptx
+++ b/Document/01_SOP_기능자료/WhoCrush.pptx
@@ -5,7 +5,7 @@
     <p:sldMasterId id="2147483648" r:id="rId1"/>
   </p:sldMasterIdLst>
   <p:notesMasterIdLst>
-    <p:notesMasterId r:id="rId9"/>
+    <p:notesMasterId r:id="rId11"/>
   </p:notesMasterIdLst>
   <p:sldIdLst>
     <p:sldId id="256" r:id="rId2"/>
@@ -15,6 +15,8 @@
     <p:sldId id="269" r:id="rId6"/>
     <p:sldId id="270" r:id="rId7"/>
     <p:sldId id="271" r:id="rId8"/>
+    <p:sldId id="272" r:id="rId9"/>
+    <p:sldId id="273" r:id="rId10"/>
   </p:sldIdLst>
   <p:sldSz cx="9144000" cy="6858000" type="screen4x3"/>
   <p:notesSz cx="6858000" cy="9144000"/>
@@ -217,7 +219,7 @@
           <a:p>
             <a:fld id="{D2DF07F7-1ADC-497C-BD21-C19E8EA448D2}" type="datetimeFigureOut">
               <a:rPr lang="ko-KR" altLang="en-US" smtClean="0"/>
-              <a:t>2019-12-24</a:t>
+              <a:t>2020-04-01</a:t>
             </a:fld>
             <a:endParaRPr lang="ko-KR" altLang="en-US"/>
           </a:p>
@@ -485,6 +487,174 @@
 </p:notesMaster>
 </file>
 
+<file path=ppt/notesSlides/notesSlide1.xml><?xml version="1.0" encoding="utf-8"?>
+<p:notes xmlns:a="http://schemas.openxmlformats.org/drawingml/2006/main" xmlns:r="http://schemas.openxmlformats.org/officeDocument/2006/relationships" xmlns:p="http://schemas.openxmlformats.org/presentationml/2006/main">
+  <p:cSld>
+    <p:spTree>
+      <p:nvGrpSpPr>
+        <p:cNvPr id="1" name=""/>
+        <p:cNvGrpSpPr/>
+        <p:nvPr/>
+      </p:nvGrpSpPr>
+      <p:grpSpPr>
+        <a:xfrm>
+          <a:off x="0" y="0"/>
+          <a:ext cx="0" cy="0"/>
+          <a:chOff x="0" y="0"/>
+          <a:chExt cx="0" cy="0"/>
+        </a:xfrm>
+      </p:grpSpPr>
+      <p:sp>
+        <p:nvSpPr>
+          <p:cNvPr id="2" name="슬라이드 이미지 개체 틀 1"/>
+          <p:cNvSpPr>
+            <a:spLocks noGrp="1" noRot="1" noChangeAspect="1"/>
+          </p:cNvSpPr>
+          <p:nvPr>
+            <p:ph type="sldImg"/>
+          </p:nvPr>
+        </p:nvSpPr>
+        <p:spPr/>
+      </p:sp>
+      <p:sp>
+        <p:nvSpPr>
+          <p:cNvPr id="3" name="슬라이드 노트 개체 틀 2"/>
+          <p:cNvSpPr>
+            <a:spLocks noGrp="1"/>
+          </p:cNvSpPr>
+          <p:nvPr>
+            <p:ph type="body" idx="1"/>
+          </p:nvPr>
+        </p:nvSpPr>
+        <p:spPr/>
+        <p:txBody>
+          <a:bodyPr/>
+          <a:lstStyle/>
+          <a:p>
+            <a:endParaRPr lang="ko-KR" altLang="en-US" dirty="0"/>
+          </a:p>
+        </p:txBody>
+      </p:sp>
+      <p:sp>
+        <p:nvSpPr>
+          <p:cNvPr id="4" name="슬라이드 번호 개체 틀 3"/>
+          <p:cNvSpPr>
+            <a:spLocks noGrp="1"/>
+          </p:cNvSpPr>
+          <p:nvPr>
+            <p:ph type="sldNum" sz="quarter" idx="10"/>
+          </p:nvPr>
+        </p:nvSpPr>
+        <p:spPr/>
+        <p:txBody>
+          <a:bodyPr/>
+          <a:lstStyle/>
+          <a:p>
+            <a:fld id="{1A45EB2C-45FF-431F-A3CF-35E26C056243}" type="slidenum">
+              <a:rPr lang="ko-KR" altLang="en-US" smtClean="0"/>
+              <a:t>8</a:t>
+            </a:fld>
+            <a:endParaRPr lang="ko-KR" altLang="en-US"/>
+          </a:p>
+        </p:txBody>
+      </p:sp>
+    </p:spTree>
+    <p:extLst>
+      <p:ext uri="{BB962C8B-B14F-4D97-AF65-F5344CB8AC3E}">
+        <p14:creationId xmlns:p14="http://schemas.microsoft.com/office/powerpoint/2010/main" val="966731010"/>
+      </p:ext>
+    </p:extLst>
+  </p:cSld>
+  <p:clrMapOvr>
+    <a:masterClrMapping/>
+  </p:clrMapOvr>
+</p:notes>
+</file>
+
+<file path=ppt/notesSlides/notesSlide2.xml><?xml version="1.0" encoding="utf-8"?>
+<p:notes xmlns:a="http://schemas.openxmlformats.org/drawingml/2006/main" xmlns:r="http://schemas.openxmlformats.org/officeDocument/2006/relationships" xmlns:p="http://schemas.openxmlformats.org/presentationml/2006/main">
+  <p:cSld>
+    <p:spTree>
+      <p:nvGrpSpPr>
+        <p:cNvPr id="1" name=""/>
+        <p:cNvGrpSpPr/>
+        <p:nvPr/>
+      </p:nvGrpSpPr>
+      <p:grpSpPr>
+        <a:xfrm>
+          <a:off x="0" y="0"/>
+          <a:ext cx="0" cy="0"/>
+          <a:chOff x="0" y="0"/>
+          <a:chExt cx="0" cy="0"/>
+        </a:xfrm>
+      </p:grpSpPr>
+      <p:sp>
+        <p:nvSpPr>
+          <p:cNvPr id="2" name="슬라이드 이미지 개체 틀 1"/>
+          <p:cNvSpPr>
+            <a:spLocks noGrp="1" noRot="1" noChangeAspect="1"/>
+          </p:cNvSpPr>
+          <p:nvPr>
+            <p:ph type="sldImg"/>
+          </p:nvPr>
+        </p:nvSpPr>
+        <p:spPr/>
+      </p:sp>
+      <p:sp>
+        <p:nvSpPr>
+          <p:cNvPr id="3" name="슬라이드 노트 개체 틀 2"/>
+          <p:cNvSpPr>
+            <a:spLocks noGrp="1"/>
+          </p:cNvSpPr>
+          <p:nvPr>
+            <p:ph type="body" idx="1"/>
+          </p:nvPr>
+        </p:nvSpPr>
+        <p:spPr/>
+        <p:txBody>
+          <a:bodyPr/>
+          <a:lstStyle/>
+          <a:p>
+            <a:endParaRPr lang="ko-KR" altLang="en-US" dirty="0"/>
+          </a:p>
+        </p:txBody>
+      </p:sp>
+      <p:sp>
+        <p:nvSpPr>
+          <p:cNvPr id="4" name="슬라이드 번호 개체 틀 3"/>
+          <p:cNvSpPr>
+            <a:spLocks noGrp="1"/>
+          </p:cNvSpPr>
+          <p:nvPr>
+            <p:ph type="sldNum" sz="quarter" idx="10"/>
+          </p:nvPr>
+        </p:nvSpPr>
+        <p:spPr/>
+        <p:txBody>
+          <a:bodyPr/>
+          <a:lstStyle/>
+          <a:p>
+            <a:fld id="{1A45EB2C-45FF-431F-A3CF-35E26C056243}" type="slidenum">
+              <a:rPr lang="ko-KR" altLang="en-US" smtClean="0"/>
+              <a:t>9</a:t>
+            </a:fld>
+            <a:endParaRPr lang="ko-KR" altLang="en-US"/>
+          </a:p>
+        </p:txBody>
+      </p:sp>
+    </p:spTree>
+    <p:extLst>
+      <p:ext uri="{BB962C8B-B14F-4D97-AF65-F5344CB8AC3E}">
+        <p14:creationId xmlns:p14="http://schemas.microsoft.com/office/powerpoint/2010/main" val="2708507525"/>
+      </p:ext>
+    </p:extLst>
+  </p:cSld>
+  <p:clrMapOvr>
+    <a:masterClrMapping/>
+  </p:clrMapOvr>
+</p:notes>
+</file>
+
 <file path=ppt/slideLayouts/slideLayout1.xml><?xml version="1.0" encoding="utf-8"?>
 <p:sldLayout xmlns:a="http://schemas.openxmlformats.org/drawingml/2006/main" xmlns:r="http://schemas.openxmlformats.org/officeDocument/2006/relationships" xmlns:p="http://schemas.openxmlformats.org/presentationml/2006/main" preserve="1" userDrawn="1">
   <p:cSld name="제목만">
@@ -1237,7 +1407,7 @@
           <a:p>
             <a:fld id="{311047E0-97B4-4F59-A444-B030B154B2CA}" type="datetimeFigureOut">
               <a:rPr lang="ko-KR" altLang="en-US" smtClean="0"/>
-              <a:t>2019-12-24</a:t>
+              <a:t>2020-04-01</a:t>
             </a:fld>
             <a:endParaRPr lang="ko-KR" altLang="en-US"/>
           </a:p>
@@ -1744,7 +1914,7 @@
                 <a:latin typeface="나눔고딕 Bold" pitchFamily="50" charset="-127"/>
                 <a:ea typeface="나눔고딕 Bold" pitchFamily="50" charset="-127"/>
               </a:rPr>
-              <a:t>유기종 대리</a:t>
+              <a:t>유기종 과장</a:t>
             </a:r>
             <a:endParaRPr lang="ko-KR" altLang="en-US" sz="2000" b="1" dirty="0">
               <a:solidFill>
@@ -1768,7 +1938,7 @@
         <p:spPr>
           <a:xfrm>
             <a:off x="693728" y="4117142"/>
-            <a:ext cx="1508746" cy="400110"/>
+            <a:ext cx="1675459" cy="400110"/>
           </a:xfrm>
           <a:prstGeom prst="rect">
             <a:avLst/>
@@ -1792,7 +1962,20 @@
                 <a:latin typeface="나눔고딕 Bold" pitchFamily="50" charset="-127"/>
                 <a:ea typeface="나눔고딕 Bold" pitchFamily="50" charset="-127"/>
               </a:rPr>
-              <a:t>2019.11.29</a:t>
+              <a:t>2020. </a:t>
+            </a:r>
+            <a:r>
+              <a:rPr lang="en-US" altLang="ko-KR" sz="2000" b="1" smtClean="0">
+                <a:solidFill>
+                  <a:schemeClr val="tx1">
+                    <a:lumMod val="75000"/>
+                    <a:lumOff val="25000"/>
+                  </a:schemeClr>
+                </a:solidFill>
+                <a:latin typeface="나눔고딕 Bold" pitchFamily="50" charset="-127"/>
+                <a:ea typeface="나눔고딕 Bold" pitchFamily="50" charset="-127"/>
+              </a:rPr>
+              <a:t>03. 25</a:t>
             </a:r>
             <a:endParaRPr lang="ko-KR" altLang="en-US" sz="2000" b="1" dirty="0">
               <a:solidFill>
@@ -1955,11 +2138,7 @@
             </a:r>
             <a:r>
               <a:rPr lang="ko-KR" altLang="en-US" sz="1600" dirty="0" smtClean="0"/>
-              <a:t>파일을 </a:t>
-            </a:r>
-            <a:r>
-              <a:rPr lang="ko-KR" altLang="en-US" sz="1600" dirty="0" smtClean="0"/>
-              <a:t>실행</a:t>
+              <a:t>파일을 실행</a:t>
             </a:r>
             <a:endParaRPr lang="en-US" altLang="ko-KR" sz="1600" dirty="0" smtClean="0"/>
           </a:p>
@@ -4068,6 +4247,2251 @@
       </p:par>
     </p:tnLst>
   </p:timing>
+</p:sld>
+</file>
+
+<file path=ppt/slides/slide8.xml><?xml version="1.0" encoding="utf-8"?>
+<p:sld xmlns:a="http://schemas.openxmlformats.org/drawingml/2006/main" xmlns:r="http://schemas.openxmlformats.org/officeDocument/2006/relationships" xmlns:p="http://schemas.openxmlformats.org/presentationml/2006/main">
+  <p:cSld>
+    <p:spTree>
+      <p:nvGrpSpPr>
+        <p:cNvPr id="1" name=""/>
+        <p:cNvGrpSpPr/>
+        <p:nvPr/>
+      </p:nvGrpSpPr>
+      <p:grpSpPr>
+        <a:xfrm>
+          <a:off x="0" y="0"/>
+          <a:ext cx="0" cy="0"/>
+          <a:chOff x="0" y="0"/>
+          <a:chExt cx="0" cy="0"/>
+        </a:xfrm>
+      </p:grpSpPr>
+      <p:sp>
+        <p:nvSpPr>
+          <p:cNvPr id="3" name="슬라이드 번호 개체 틀 2"/>
+          <p:cNvSpPr>
+            <a:spLocks noGrp="1"/>
+          </p:cNvSpPr>
+          <p:nvPr>
+            <p:ph type="sldNum" sz="quarter" idx="4"/>
+          </p:nvPr>
+        </p:nvSpPr>
+        <p:spPr/>
+        <p:txBody>
+          <a:bodyPr/>
+          <a:lstStyle/>
+          <a:p>
+            <a:fld id="{92BF3AAA-F4FF-4737-B31E-0556F8679DC7}" type="slidenum">
+              <a:rPr lang="ko-KR" altLang="en-US" smtClean="0"/>
+              <a:pPr/>
+              <a:t>8</a:t>
+            </a:fld>
+            <a:endParaRPr lang="ko-KR" altLang="en-US"/>
+          </a:p>
+        </p:txBody>
+      </p:sp>
+      <p:graphicFrame>
+        <p:nvGraphicFramePr>
+          <p:cNvPr id="5" name="표 4"/>
+          <p:cNvGraphicFramePr>
+            <a:graphicFrameLocks noGrp="1"/>
+          </p:cNvGraphicFramePr>
+          <p:nvPr>
+            <p:extLst>
+              <p:ext uri="{D42A27DB-BD31-4B8C-83A1-F6EECF244321}">
+                <p14:modId xmlns:p14="http://schemas.microsoft.com/office/powerpoint/2010/main" val="2304657178"/>
+              </p:ext>
+            </p:extLst>
+          </p:nvPr>
+        </p:nvGraphicFramePr>
+        <p:xfrm>
+          <a:off x="252000" y="1551032"/>
+          <a:ext cx="8640000" cy="4902304"/>
+        </p:xfrm>
+        <a:graphic>
+          <a:graphicData uri="http://schemas.openxmlformats.org/drawingml/2006/table">
+            <a:tbl>
+              <a:tblPr firstRow="1" bandRow="1">
+                <a:tableStyleId>{5C22544A-7EE6-4342-B048-85BDC9FD1C3A}</a:tableStyleId>
+              </a:tblPr>
+              <a:tblGrid>
+                <a:gridCol w="1080000">
+                  <a:extLst>
+                    <a:ext uri="{9D8B030D-6E8A-4147-A177-3AD203B41FA5}">
+                      <a16:colId xmlns:a16="http://schemas.microsoft.com/office/drawing/2014/main" val="580897061"/>
+                    </a:ext>
+                  </a:extLst>
+                </a:gridCol>
+                <a:gridCol w="3240000">
+                  <a:extLst>
+                    <a:ext uri="{9D8B030D-6E8A-4147-A177-3AD203B41FA5}">
+                      <a16:colId xmlns:a16="http://schemas.microsoft.com/office/drawing/2014/main" val="3527537703"/>
+                    </a:ext>
+                  </a:extLst>
+                </a:gridCol>
+                <a:gridCol w="1080000">
+                  <a:extLst>
+                    <a:ext uri="{9D8B030D-6E8A-4147-A177-3AD203B41FA5}">
+                      <a16:colId xmlns:a16="http://schemas.microsoft.com/office/drawing/2014/main" val="572161805"/>
+                    </a:ext>
+                  </a:extLst>
+                </a:gridCol>
+                <a:gridCol w="3240000">
+                  <a:extLst>
+                    <a:ext uri="{9D8B030D-6E8A-4147-A177-3AD203B41FA5}">
+                      <a16:colId xmlns:a16="http://schemas.microsoft.com/office/drawing/2014/main" val="3506648759"/>
+                    </a:ext>
+                  </a:extLst>
+                </a:gridCol>
+              </a:tblGrid>
+              <a:tr h="414279">
+                <a:tc>
+                  <a:txBody>
+                    <a:bodyPr/>
+                    <a:lstStyle/>
+                    <a:p>
+                      <a:pPr algn="ctr" latinLnBrk="1"/>
+                      <a:r>
+                        <a:rPr lang="en-US" altLang="ko-KR" sz="1200" b="1" dirty="0" smtClean="0">
+                          <a:solidFill>
+                            <a:schemeClr val="bg1"/>
+                          </a:solidFill>
+                          <a:latin typeface="+mj-lt"/>
+                        </a:rPr>
+                        <a:t>Error </a:t>
+                      </a:r>
+                      <a:r>
+                        <a:rPr lang="en-US" altLang="ko-KR" sz="1200" b="1" dirty="0" err="1" smtClean="0">
+                          <a:solidFill>
+                            <a:schemeClr val="bg1"/>
+                          </a:solidFill>
+                          <a:latin typeface="+mj-lt"/>
+                        </a:rPr>
+                        <a:t>Num</a:t>
+                      </a:r>
+                      <a:endParaRPr lang="ko-KR" altLang="en-US" sz="1200" b="1" dirty="0">
+                        <a:solidFill>
+                          <a:schemeClr val="bg1"/>
+                        </a:solidFill>
+                        <a:latin typeface="+mj-lt"/>
+                      </a:endParaRPr>
+                    </a:p>
+                  </a:txBody>
+                  <a:tcPr anchor="ctr"/>
+                </a:tc>
+                <a:tc>
+                  <a:txBody>
+                    <a:bodyPr/>
+                    <a:lstStyle/>
+                    <a:p>
+                      <a:pPr algn="ctr" latinLnBrk="1"/>
+                      <a:r>
+                        <a:rPr lang="ko-KR" altLang="en-US" sz="1200" b="1" dirty="0" smtClean="0">
+                          <a:solidFill>
+                            <a:schemeClr val="bg1"/>
+                          </a:solidFill>
+                          <a:latin typeface="+mj-lt"/>
+                        </a:rPr>
+                        <a:t>원인 및 조치 방법</a:t>
+                      </a:r>
+                      <a:endParaRPr lang="ko-KR" altLang="en-US" sz="1200" b="1" dirty="0">
+                        <a:solidFill>
+                          <a:schemeClr val="bg1"/>
+                        </a:solidFill>
+                        <a:latin typeface="+mj-lt"/>
+                      </a:endParaRPr>
+                    </a:p>
+                  </a:txBody>
+                  <a:tcPr anchor="ctr"/>
+                </a:tc>
+                <a:tc>
+                  <a:txBody>
+                    <a:bodyPr/>
+                    <a:lstStyle/>
+                    <a:p>
+                      <a:pPr algn="ctr" latinLnBrk="1"/>
+                      <a:r>
+                        <a:rPr lang="en-US" altLang="ko-KR" sz="1200" b="1" dirty="0" smtClean="0">
+                          <a:solidFill>
+                            <a:schemeClr val="bg1"/>
+                          </a:solidFill>
+                          <a:latin typeface="+mj-lt"/>
+                        </a:rPr>
+                        <a:t>Error </a:t>
+                      </a:r>
+                      <a:r>
+                        <a:rPr lang="en-US" altLang="ko-KR" sz="1200" b="1" dirty="0" err="1" smtClean="0">
+                          <a:solidFill>
+                            <a:schemeClr val="bg1"/>
+                          </a:solidFill>
+                          <a:latin typeface="+mj-lt"/>
+                        </a:rPr>
+                        <a:t>Num</a:t>
+                      </a:r>
+                      <a:endParaRPr lang="ko-KR" altLang="en-US" sz="1200" b="1" dirty="0">
+                        <a:solidFill>
+                          <a:schemeClr val="bg1"/>
+                        </a:solidFill>
+                        <a:latin typeface="+mj-lt"/>
+                      </a:endParaRPr>
+                    </a:p>
+                  </a:txBody>
+                  <a:tcPr anchor="ctr"/>
+                </a:tc>
+                <a:tc>
+                  <a:txBody>
+                    <a:bodyPr/>
+                    <a:lstStyle/>
+                    <a:p>
+                      <a:pPr algn="ctr" latinLnBrk="1"/>
+                      <a:r>
+                        <a:rPr lang="ko-KR" altLang="en-US" sz="1200" b="1" dirty="0" smtClean="0">
+                          <a:solidFill>
+                            <a:schemeClr val="bg1"/>
+                          </a:solidFill>
+                          <a:latin typeface="+mj-lt"/>
+                        </a:rPr>
+                        <a:t>원인 및 조치 방법</a:t>
+                      </a:r>
+                      <a:endParaRPr lang="ko-KR" altLang="en-US" sz="1200" b="1" dirty="0">
+                        <a:solidFill>
+                          <a:schemeClr val="bg1"/>
+                        </a:solidFill>
+                        <a:latin typeface="+mj-lt"/>
+                      </a:endParaRPr>
+                    </a:p>
+                  </a:txBody>
+                  <a:tcPr anchor="ctr"/>
+                </a:tc>
+                <a:extLst>
+                  <a:ext uri="{0D108BD9-81ED-4DB2-BD59-A6C34878D82A}">
+                    <a16:rowId xmlns:a16="http://schemas.microsoft.com/office/drawing/2014/main" val="3515047879"/>
+                  </a:ext>
+                </a:extLst>
+              </a:tr>
+              <a:tr h="897605">
+                <a:tc>
+                  <a:txBody>
+                    <a:bodyPr/>
+                    <a:lstStyle/>
+                    <a:p>
+                      <a:pPr algn="ctr" latinLnBrk="1"/>
+                      <a:r>
+                        <a:rPr lang="en-US" altLang="ko-KR" sz="1100" dirty="0" smtClean="0">
+                          <a:solidFill>
+                            <a:schemeClr val="tx1"/>
+                          </a:solidFill>
+                          <a:latin typeface="+mj-lt"/>
+                        </a:rPr>
+                        <a:t>0x0000001A</a:t>
+                      </a:r>
+                      <a:endParaRPr lang="ko-KR" altLang="en-US" sz="1100" dirty="0">
+                        <a:solidFill>
+                          <a:schemeClr val="tx1"/>
+                        </a:solidFill>
+                        <a:latin typeface="+mj-lt"/>
+                      </a:endParaRPr>
+                    </a:p>
+                  </a:txBody>
+                  <a:tcPr anchor="ctr"/>
+                </a:tc>
+                <a:tc>
+                  <a:txBody>
+                    <a:bodyPr/>
+                    <a:lstStyle/>
+                    <a:p>
+                      <a:pPr marL="0" indent="0" algn="l">
+                        <a:buFontTx/>
+                        <a:buNone/>
+                      </a:pPr>
+                      <a:r>
+                        <a:rPr lang="en-US" altLang="ko-KR" sz="1100" kern="1200" dirty="0" smtClean="0">
+                          <a:solidFill>
+                            <a:schemeClr val="tx1"/>
+                          </a:solidFill>
+                          <a:latin typeface="+mn-lt"/>
+                          <a:ea typeface="+mn-ea"/>
+                          <a:cs typeface="+mn-cs"/>
+                        </a:rPr>
+                        <a:t>- </a:t>
+                      </a:r>
+                      <a:r>
+                        <a:rPr lang="en-US" altLang="ko-KR" sz="1100" dirty="0" smtClean="0">
+                          <a:solidFill>
+                            <a:schemeClr val="tx1"/>
+                          </a:solidFill>
+                          <a:latin typeface="+mj-lt"/>
+                        </a:rPr>
+                        <a:t>Data</a:t>
+                      </a:r>
+                      <a:r>
+                        <a:rPr lang="ko-KR" altLang="en-US" sz="1100" dirty="0" smtClean="0">
+                          <a:solidFill>
+                            <a:schemeClr val="tx1"/>
+                          </a:solidFill>
+                          <a:latin typeface="+mj-lt"/>
+                        </a:rPr>
+                        <a:t>를 저장하는 </a:t>
+                      </a:r>
+                      <a:r>
+                        <a:rPr lang="en-US" altLang="ko-KR" sz="1100" dirty="0" smtClean="0">
+                          <a:solidFill>
+                            <a:schemeClr val="tx1"/>
+                          </a:solidFill>
+                          <a:latin typeface="+mj-lt"/>
+                        </a:rPr>
+                        <a:t>Memory</a:t>
+                      </a:r>
+                      <a:r>
+                        <a:rPr lang="ko-KR" altLang="en-US" sz="1100" dirty="0" smtClean="0">
+                          <a:solidFill>
+                            <a:schemeClr val="tx1"/>
+                          </a:solidFill>
+                          <a:latin typeface="+mj-lt"/>
+                        </a:rPr>
+                        <a:t> 부족 </a:t>
+                      </a:r>
+                      <a:r>
+                        <a:rPr lang="en-US" altLang="ko-KR" sz="1100" dirty="0" smtClean="0">
+                          <a:solidFill>
+                            <a:schemeClr val="tx1"/>
+                          </a:solidFill>
+                          <a:latin typeface="+mj-lt"/>
+                        </a:rPr>
+                        <a:t>Error</a:t>
+                      </a:r>
+                    </a:p>
+                    <a:p>
+                      <a:pPr algn="l"/>
+                      <a:r>
+                        <a:rPr lang="en-US" altLang="ko-KR" sz="1100" kern="1200" dirty="0" smtClean="0">
+                          <a:solidFill>
+                            <a:schemeClr val="tx1"/>
+                          </a:solidFill>
+                          <a:latin typeface="+mn-lt"/>
+                          <a:ea typeface="+mn-ea"/>
+                          <a:cs typeface="+mn-cs"/>
+                        </a:rPr>
+                        <a:t>- </a:t>
+                      </a:r>
+                      <a:r>
+                        <a:rPr lang="en-US" altLang="ko-KR" sz="1100" dirty="0" smtClean="0">
+                          <a:solidFill>
+                            <a:schemeClr val="tx1"/>
+                          </a:solidFill>
+                          <a:latin typeface="+mj-lt"/>
+                        </a:rPr>
+                        <a:t>RAM</a:t>
+                      </a:r>
+                      <a:r>
+                        <a:rPr lang="en-US" altLang="ko-KR" sz="1100" baseline="0" dirty="0" smtClean="0">
+                          <a:solidFill>
+                            <a:schemeClr val="tx1"/>
+                          </a:solidFill>
+                          <a:latin typeface="+mj-lt"/>
+                        </a:rPr>
+                        <a:t> </a:t>
+                      </a:r>
+                      <a:r>
+                        <a:rPr lang="en-US" altLang="ko-KR" sz="1100" dirty="0" smtClean="0">
+                          <a:solidFill>
+                            <a:schemeClr val="tx1"/>
+                          </a:solidFill>
+                          <a:latin typeface="+mj-lt"/>
+                        </a:rPr>
+                        <a:t>Memory</a:t>
+                      </a:r>
+                      <a:r>
+                        <a:rPr lang="ko-KR" altLang="en-US" sz="1100" dirty="0" smtClean="0">
+                          <a:solidFill>
+                            <a:schemeClr val="tx1"/>
+                          </a:solidFill>
+                          <a:latin typeface="+mj-lt"/>
+                        </a:rPr>
+                        <a:t>가 불량이거나 </a:t>
+                      </a:r>
+                      <a:r>
+                        <a:rPr lang="en-US" altLang="ko-KR" sz="1100" dirty="0" smtClean="0">
+                          <a:solidFill>
+                            <a:schemeClr val="tx1"/>
+                          </a:solidFill>
+                          <a:latin typeface="+mj-lt"/>
+                        </a:rPr>
+                        <a:t>HDD</a:t>
+                      </a:r>
+                      <a:r>
+                        <a:rPr lang="ko-KR" altLang="en-US" sz="1100" dirty="0" smtClean="0">
+                          <a:solidFill>
+                            <a:schemeClr val="tx1"/>
+                          </a:solidFill>
+                          <a:latin typeface="+mj-lt"/>
+                        </a:rPr>
+                        <a:t> </a:t>
+                      </a:r>
+                      <a:r>
+                        <a:rPr lang="en-US" altLang="ko-KR" sz="1100" dirty="0" smtClean="0">
+                          <a:solidFill>
+                            <a:schemeClr val="tx1"/>
+                          </a:solidFill>
+                          <a:latin typeface="+mj-lt"/>
+                        </a:rPr>
+                        <a:t>Memory</a:t>
+                      </a:r>
+                    </a:p>
+                    <a:p>
+                      <a:pPr algn="l"/>
+                      <a:r>
+                        <a:rPr lang="en-US" altLang="ko-KR" sz="1100" dirty="0" smtClean="0">
+                          <a:solidFill>
+                            <a:schemeClr val="tx1"/>
+                          </a:solidFill>
+                          <a:latin typeface="+mj-lt"/>
+                        </a:rPr>
+                        <a:t>   </a:t>
+                      </a:r>
+                      <a:r>
+                        <a:rPr lang="ko-KR" altLang="en-US" sz="1100" dirty="0" smtClean="0">
+                          <a:solidFill>
+                            <a:schemeClr val="tx1"/>
+                          </a:solidFill>
+                          <a:latin typeface="+mj-lt"/>
+                        </a:rPr>
+                        <a:t>저장 공간 점검</a:t>
+                      </a:r>
+                      <a:endParaRPr lang="ko-KR" altLang="en-US" sz="1100" dirty="0">
+                        <a:solidFill>
+                          <a:schemeClr val="tx1"/>
+                        </a:solidFill>
+                        <a:latin typeface="+mj-lt"/>
+                      </a:endParaRPr>
+                    </a:p>
+                  </a:txBody>
+                  <a:tcPr anchor="ctr"/>
+                </a:tc>
+                <a:tc>
+                  <a:txBody>
+                    <a:bodyPr/>
+                    <a:lstStyle/>
+                    <a:p>
+                      <a:pPr algn="ctr" latinLnBrk="1"/>
+                      <a:r>
+                        <a:rPr lang="en-US" altLang="ko-KR" sz="1100" dirty="0" smtClean="0">
+                          <a:solidFill>
+                            <a:schemeClr val="tx1"/>
+                          </a:solidFill>
+                          <a:latin typeface="+mj-lt"/>
+                        </a:rPr>
+                        <a:t>0x000000D1</a:t>
+                      </a:r>
+                      <a:endParaRPr lang="ko-KR" altLang="en-US" sz="1100" dirty="0">
+                        <a:solidFill>
+                          <a:schemeClr val="tx1"/>
+                        </a:solidFill>
+                        <a:latin typeface="+mj-lt"/>
+                      </a:endParaRPr>
+                    </a:p>
+                  </a:txBody>
+                  <a:tcPr anchor="ctr"/>
+                </a:tc>
+                <a:tc>
+                  <a:txBody>
+                    <a:bodyPr/>
+                    <a:lstStyle/>
+                    <a:p>
+                      <a:r>
+                        <a:rPr lang="en-US" altLang="ko-KR" sz="1100" dirty="0" smtClean="0">
+                          <a:solidFill>
+                            <a:schemeClr val="tx1"/>
+                          </a:solidFill>
+                          <a:latin typeface="+mj-lt"/>
+                        </a:rPr>
+                        <a:t>- </a:t>
+                      </a:r>
+                      <a:r>
+                        <a:rPr lang="ko-KR" altLang="en-US" sz="1100" dirty="0" smtClean="0">
+                          <a:solidFill>
+                            <a:schemeClr val="tx1"/>
+                          </a:solidFill>
+                          <a:latin typeface="+mj-lt"/>
+                        </a:rPr>
+                        <a:t>각종 장치의 </a:t>
+                      </a:r>
+                      <a:r>
+                        <a:rPr lang="en-US" altLang="ko-KR" sz="1100" dirty="0" smtClean="0">
+                          <a:solidFill>
+                            <a:schemeClr val="tx1"/>
+                          </a:solidFill>
+                          <a:latin typeface="+mj-lt"/>
+                        </a:rPr>
+                        <a:t>Driver</a:t>
+                      </a:r>
+                      <a:r>
+                        <a:rPr lang="ko-KR" altLang="en-US" sz="1100" dirty="0" smtClean="0">
+                          <a:solidFill>
+                            <a:schemeClr val="tx1"/>
+                          </a:solidFill>
+                          <a:latin typeface="+mj-lt"/>
+                        </a:rPr>
+                        <a:t>가 잘못 설치된 경우 발생</a:t>
+                      </a:r>
+                    </a:p>
+                    <a:p>
+                      <a:r>
+                        <a:rPr lang="en-US" altLang="ko-KR" sz="1100" dirty="0" smtClean="0">
+                          <a:solidFill>
+                            <a:schemeClr val="tx1"/>
+                          </a:solidFill>
+                          <a:latin typeface="+mj-lt"/>
+                        </a:rPr>
+                        <a:t>- </a:t>
+                      </a:r>
+                      <a:r>
+                        <a:rPr lang="ko-KR" altLang="en-US" sz="1100" dirty="0" smtClean="0">
+                          <a:solidFill>
+                            <a:schemeClr val="tx1"/>
+                          </a:solidFill>
+                          <a:latin typeface="+mj-lt"/>
+                        </a:rPr>
+                        <a:t>그래픽</a:t>
+                      </a:r>
+                      <a:r>
+                        <a:rPr lang="en-US" altLang="ko-KR" sz="1100" dirty="0" smtClean="0">
+                          <a:solidFill>
+                            <a:schemeClr val="tx1"/>
+                          </a:solidFill>
+                          <a:latin typeface="+mj-lt"/>
+                        </a:rPr>
+                        <a:t>, </a:t>
+                      </a:r>
+                      <a:r>
+                        <a:rPr lang="ko-KR" altLang="en-US" sz="1100" dirty="0" smtClean="0">
+                          <a:solidFill>
+                            <a:schemeClr val="tx1"/>
+                          </a:solidFill>
+                          <a:latin typeface="+mj-lt"/>
+                        </a:rPr>
+                        <a:t>칩셋</a:t>
+                      </a:r>
+                      <a:r>
+                        <a:rPr lang="en-US" altLang="ko-KR" sz="1100" dirty="0" smtClean="0">
+                          <a:solidFill>
+                            <a:schemeClr val="tx1"/>
+                          </a:solidFill>
+                          <a:latin typeface="+mj-lt"/>
+                        </a:rPr>
+                        <a:t>, </a:t>
+                      </a:r>
+                      <a:r>
+                        <a:rPr lang="ko-KR" altLang="en-US" sz="1100" dirty="0" smtClean="0">
+                          <a:solidFill>
+                            <a:schemeClr val="tx1"/>
+                          </a:solidFill>
+                          <a:latin typeface="+mj-lt"/>
+                        </a:rPr>
+                        <a:t>사운드 등 </a:t>
+                      </a:r>
+                      <a:r>
+                        <a:rPr lang="en-US" altLang="ko-KR" sz="1100" dirty="0" smtClean="0">
+                          <a:solidFill>
+                            <a:schemeClr val="tx1"/>
+                          </a:solidFill>
+                          <a:latin typeface="+mj-lt"/>
+                        </a:rPr>
+                        <a:t>HW</a:t>
+                      </a:r>
+                      <a:r>
+                        <a:rPr lang="ko-KR" altLang="en-US" sz="1100" dirty="0" smtClean="0">
+                          <a:solidFill>
+                            <a:schemeClr val="tx1"/>
+                          </a:solidFill>
+                          <a:latin typeface="+mj-lt"/>
+                        </a:rPr>
+                        <a:t>의 </a:t>
+                      </a:r>
+                      <a:r>
+                        <a:rPr lang="en-US" altLang="ko-KR" sz="1100" dirty="0" smtClean="0">
+                          <a:solidFill>
+                            <a:schemeClr val="tx1"/>
+                          </a:solidFill>
+                          <a:latin typeface="+mj-lt"/>
+                        </a:rPr>
+                        <a:t>Driver</a:t>
+                      </a:r>
+                      <a:r>
+                        <a:rPr lang="ko-KR" altLang="en-US" sz="1100" dirty="0" smtClean="0">
+                          <a:solidFill>
+                            <a:schemeClr val="tx1"/>
+                          </a:solidFill>
+                          <a:latin typeface="+mj-lt"/>
+                        </a:rPr>
+                        <a:t>   </a:t>
+                      </a:r>
+                      <a:endParaRPr lang="en-US" altLang="ko-KR" sz="1100" dirty="0" smtClean="0">
+                        <a:solidFill>
+                          <a:schemeClr val="tx1"/>
+                        </a:solidFill>
+                        <a:latin typeface="+mj-lt"/>
+                      </a:endParaRPr>
+                    </a:p>
+                    <a:p>
+                      <a:r>
+                        <a:rPr lang="en-US" altLang="ko-KR" sz="1100" dirty="0" smtClean="0">
+                          <a:solidFill>
+                            <a:schemeClr val="tx1"/>
+                          </a:solidFill>
+                          <a:latin typeface="+mj-lt"/>
+                        </a:rPr>
+                        <a:t>  </a:t>
+                      </a:r>
+                      <a:r>
+                        <a:rPr lang="ko-KR" altLang="en-US" sz="1100" dirty="0" smtClean="0">
+                          <a:solidFill>
+                            <a:schemeClr val="tx1"/>
+                          </a:solidFill>
+                          <a:latin typeface="+mj-lt"/>
+                        </a:rPr>
+                        <a:t>점검 필요</a:t>
+                      </a:r>
+                    </a:p>
+                  </a:txBody>
+                  <a:tcPr anchor="ctr"/>
+                </a:tc>
+                <a:extLst>
+                  <a:ext uri="{0D108BD9-81ED-4DB2-BD59-A6C34878D82A}">
+                    <a16:rowId xmlns:a16="http://schemas.microsoft.com/office/drawing/2014/main" val="785476454"/>
+                  </a:ext>
+                </a:extLst>
+              </a:tr>
+              <a:tr h="897605">
+                <a:tc>
+                  <a:txBody>
+                    <a:bodyPr/>
+                    <a:lstStyle/>
+                    <a:p>
+                      <a:pPr algn="ctr" latinLnBrk="1"/>
+                      <a:r>
+                        <a:rPr lang="en-US" altLang="ko-KR" sz="1100" dirty="0" smtClean="0">
+                          <a:solidFill>
+                            <a:schemeClr val="tx1"/>
+                          </a:solidFill>
+                          <a:latin typeface="+mj-lt"/>
+                        </a:rPr>
+                        <a:t>0x0000007A</a:t>
+                      </a:r>
+                      <a:endParaRPr lang="ko-KR" altLang="en-US" sz="1100" dirty="0">
+                        <a:solidFill>
+                          <a:schemeClr val="tx1"/>
+                        </a:solidFill>
+                        <a:latin typeface="+mj-lt"/>
+                      </a:endParaRPr>
+                    </a:p>
+                  </a:txBody>
+                  <a:tcPr anchor="ctr"/>
+                </a:tc>
+                <a:tc>
+                  <a:txBody>
+                    <a:bodyPr/>
+                    <a:lstStyle/>
+                    <a:p>
+                      <a:pPr marL="0" indent="0" algn="l">
+                        <a:buFontTx/>
+                        <a:buNone/>
+                      </a:pPr>
+                      <a:r>
+                        <a:rPr lang="en-US" altLang="ko-KR" sz="1100" dirty="0" smtClean="0">
+                          <a:solidFill>
+                            <a:schemeClr val="tx1"/>
+                          </a:solidFill>
+                          <a:latin typeface="+mj-lt"/>
+                        </a:rPr>
+                        <a:t>- </a:t>
+                      </a:r>
+                      <a:r>
+                        <a:rPr lang="ko-KR" altLang="en-US" sz="1100" dirty="0" smtClean="0">
+                          <a:solidFill>
+                            <a:schemeClr val="tx1"/>
+                          </a:solidFill>
+                          <a:latin typeface="+mj-lt"/>
+                        </a:rPr>
+                        <a:t>설치된 </a:t>
+                      </a:r>
+                      <a:r>
+                        <a:rPr lang="en-US" altLang="ko-KR" sz="1100" dirty="0" smtClean="0">
+                          <a:solidFill>
+                            <a:schemeClr val="tx1"/>
+                          </a:solidFill>
+                          <a:latin typeface="+mj-lt"/>
+                        </a:rPr>
+                        <a:t>OS</a:t>
+                      </a:r>
+                      <a:r>
+                        <a:rPr lang="ko-KR" altLang="en-US" sz="1100" dirty="0" smtClean="0">
+                          <a:solidFill>
+                            <a:schemeClr val="tx1"/>
+                          </a:solidFill>
+                          <a:latin typeface="+mj-lt"/>
+                        </a:rPr>
+                        <a:t>의 커널 </a:t>
+                      </a:r>
+                      <a:r>
+                        <a:rPr lang="en-US" altLang="ko-KR" sz="1100" dirty="0" smtClean="0">
+                          <a:solidFill>
+                            <a:schemeClr val="tx1"/>
+                          </a:solidFill>
+                          <a:latin typeface="+mj-lt"/>
+                        </a:rPr>
+                        <a:t>Data</a:t>
+                      </a:r>
+                      <a:r>
+                        <a:rPr lang="ko-KR" altLang="en-US" sz="1100" dirty="0" smtClean="0">
+                          <a:solidFill>
+                            <a:schemeClr val="tx1"/>
+                          </a:solidFill>
+                          <a:latin typeface="+mj-lt"/>
+                        </a:rPr>
+                        <a:t>를 불러오는데</a:t>
+                      </a:r>
+                      <a:endParaRPr lang="en-US" altLang="ko-KR" sz="1100" dirty="0" smtClean="0">
+                        <a:solidFill>
+                          <a:schemeClr val="tx1"/>
+                        </a:solidFill>
+                        <a:latin typeface="+mj-lt"/>
+                      </a:endParaRPr>
+                    </a:p>
+                    <a:p>
+                      <a:pPr marL="0" indent="0" algn="l">
+                        <a:buFontTx/>
+                        <a:buNone/>
+                      </a:pPr>
+                      <a:r>
+                        <a:rPr lang="en-US" altLang="ko-KR" sz="1100" dirty="0" smtClean="0">
+                          <a:solidFill>
+                            <a:schemeClr val="tx1"/>
+                          </a:solidFill>
+                          <a:latin typeface="+mj-lt"/>
+                        </a:rPr>
+                        <a:t>  </a:t>
+                      </a:r>
+                      <a:r>
+                        <a:rPr lang="ko-KR" altLang="en-US" sz="1100" dirty="0" smtClean="0">
+                          <a:solidFill>
+                            <a:schemeClr val="tx1"/>
+                          </a:solidFill>
+                          <a:latin typeface="+mj-lt"/>
+                        </a:rPr>
+                        <a:t>오류 발생</a:t>
+                      </a:r>
+                      <a:endParaRPr lang="en-US" altLang="ko-KR" sz="1100" dirty="0" smtClean="0">
+                        <a:solidFill>
+                          <a:schemeClr val="tx1"/>
+                        </a:solidFill>
+                        <a:latin typeface="+mj-lt"/>
+                      </a:endParaRPr>
+                    </a:p>
+                    <a:p>
+                      <a:pPr algn="l"/>
+                      <a:r>
+                        <a:rPr lang="en-US" altLang="ko-KR" sz="1100" dirty="0" smtClean="0">
+                          <a:solidFill>
+                            <a:schemeClr val="tx1"/>
+                          </a:solidFill>
+                          <a:latin typeface="+mj-lt"/>
+                        </a:rPr>
+                        <a:t>- HDD</a:t>
+                      </a:r>
+                      <a:r>
+                        <a:rPr lang="ko-KR" altLang="en-US" sz="1100" dirty="0" smtClean="0">
+                          <a:solidFill>
+                            <a:schemeClr val="tx1"/>
+                          </a:solidFill>
+                          <a:latin typeface="+mj-lt"/>
+                        </a:rPr>
+                        <a:t> 점검 혹은 </a:t>
+                      </a:r>
+                      <a:r>
+                        <a:rPr lang="en-US" altLang="ko-KR" sz="1100" dirty="0" smtClean="0">
+                          <a:solidFill>
+                            <a:schemeClr val="tx1"/>
+                          </a:solidFill>
+                          <a:latin typeface="+mj-lt"/>
+                        </a:rPr>
+                        <a:t>HDD</a:t>
+                      </a:r>
+                      <a:r>
+                        <a:rPr lang="ko-KR" altLang="en-US" sz="1100" dirty="0" smtClean="0">
+                          <a:solidFill>
+                            <a:schemeClr val="tx1"/>
+                          </a:solidFill>
+                          <a:latin typeface="+mj-lt"/>
+                        </a:rPr>
+                        <a:t> 케이블 점검</a:t>
+                      </a:r>
+                    </a:p>
+                  </a:txBody>
+                  <a:tcPr anchor="ctr"/>
+                </a:tc>
+                <a:tc>
+                  <a:txBody>
+                    <a:bodyPr/>
+                    <a:lstStyle/>
+                    <a:p>
+                      <a:pPr algn="ctr" latinLnBrk="1"/>
+                      <a:r>
+                        <a:rPr lang="en-US" altLang="ko-KR" sz="1100" dirty="0" smtClean="0">
+                          <a:solidFill>
+                            <a:schemeClr val="tx1"/>
+                          </a:solidFill>
+                          <a:latin typeface="+mj-lt"/>
+                        </a:rPr>
+                        <a:t>0x000000EA</a:t>
+                      </a:r>
+                      <a:endParaRPr lang="ko-KR" altLang="en-US" sz="1100" dirty="0">
+                        <a:solidFill>
+                          <a:schemeClr val="tx1"/>
+                        </a:solidFill>
+                        <a:latin typeface="+mj-lt"/>
+                      </a:endParaRPr>
+                    </a:p>
+                  </a:txBody>
+                  <a:tcPr anchor="ctr"/>
+                </a:tc>
+                <a:tc>
+                  <a:txBody>
+                    <a:bodyPr/>
+                    <a:lstStyle/>
+                    <a:p>
+                      <a:pPr marL="0" indent="0">
+                        <a:buFontTx/>
+                        <a:buNone/>
+                      </a:pPr>
+                      <a:r>
+                        <a:rPr lang="en-US" altLang="ko-KR" sz="1100" dirty="0" smtClean="0">
+                          <a:solidFill>
+                            <a:schemeClr val="tx1"/>
+                          </a:solidFill>
+                          <a:latin typeface="+mj-lt"/>
+                        </a:rPr>
+                        <a:t>- </a:t>
+                      </a:r>
+                      <a:r>
+                        <a:rPr lang="ko-KR" altLang="en-US" sz="1100" dirty="0" smtClean="0">
+                          <a:solidFill>
+                            <a:schemeClr val="tx1"/>
+                          </a:solidFill>
+                          <a:latin typeface="+mj-lt"/>
+                        </a:rPr>
+                        <a:t>그래픽카드의 </a:t>
+                      </a:r>
+                      <a:r>
+                        <a:rPr lang="en-US" altLang="ko-KR" sz="1100" dirty="0" smtClean="0">
+                          <a:solidFill>
+                            <a:schemeClr val="tx1"/>
+                          </a:solidFill>
+                          <a:latin typeface="+mj-lt"/>
+                        </a:rPr>
+                        <a:t>Driver</a:t>
+                      </a:r>
+                      <a:r>
+                        <a:rPr lang="ko-KR" altLang="en-US" sz="1100" baseline="0" dirty="0" smtClean="0">
+                          <a:solidFill>
+                            <a:schemeClr val="tx1"/>
+                          </a:solidFill>
+                          <a:latin typeface="+mj-lt"/>
+                        </a:rPr>
+                        <a:t> 혹은 </a:t>
+                      </a:r>
+                      <a:r>
+                        <a:rPr lang="ko-KR" altLang="en-US" sz="1100" dirty="0" smtClean="0">
+                          <a:solidFill>
+                            <a:schemeClr val="tx1"/>
+                          </a:solidFill>
+                          <a:latin typeface="+mj-lt"/>
+                        </a:rPr>
+                        <a:t>그래픽카드 불량</a:t>
+                      </a:r>
+                    </a:p>
+                    <a:p>
+                      <a:pPr marL="0" indent="0">
+                        <a:buFontTx/>
+                        <a:buNone/>
+                      </a:pPr>
+                      <a:r>
+                        <a:rPr lang="en-US" altLang="ko-KR" sz="1100" dirty="0" smtClean="0">
+                          <a:solidFill>
+                            <a:schemeClr val="tx1"/>
+                          </a:solidFill>
+                          <a:latin typeface="+mj-lt"/>
+                        </a:rPr>
+                        <a:t>- </a:t>
+                      </a:r>
+                      <a:r>
+                        <a:rPr lang="ko-KR" altLang="en-US" sz="1100" dirty="0" smtClean="0">
+                          <a:solidFill>
+                            <a:schemeClr val="tx1"/>
+                          </a:solidFill>
+                          <a:latin typeface="+mj-lt"/>
+                        </a:rPr>
+                        <a:t>그래픽카드의 </a:t>
+                      </a:r>
+                      <a:r>
+                        <a:rPr lang="en-US" altLang="ko-KR" sz="1100" dirty="0" smtClean="0">
+                          <a:solidFill>
+                            <a:schemeClr val="tx1"/>
+                          </a:solidFill>
+                          <a:latin typeface="+mj-lt"/>
+                        </a:rPr>
+                        <a:t>Driver</a:t>
+                      </a:r>
+                      <a:r>
+                        <a:rPr lang="ko-KR" altLang="en-US" sz="1100" dirty="0" smtClean="0">
+                          <a:solidFill>
+                            <a:schemeClr val="tx1"/>
+                          </a:solidFill>
+                          <a:latin typeface="+mj-lt"/>
+                        </a:rPr>
+                        <a:t>를 다시 설치 혹은</a:t>
+                      </a:r>
+                      <a:endParaRPr lang="en-US" altLang="ko-KR" sz="1100" dirty="0" smtClean="0">
+                        <a:solidFill>
+                          <a:schemeClr val="tx1"/>
+                        </a:solidFill>
+                        <a:latin typeface="+mj-lt"/>
+                      </a:endParaRPr>
+                    </a:p>
+                    <a:p>
+                      <a:pPr marL="0" indent="0">
+                        <a:buFontTx/>
+                        <a:buNone/>
+                      </a:pPr>
+                      <a:r>
+                        <a:rPr lang="en-US" altLang="ko-KR" sz="1100" dirty="0" smtClean="0">
+                          <a:solidFill>
+                            <a:schemeClr val="tx1"/>
+                          </a:solidFill>
+                          <a:latin typeface="+mj-lt"/>
+                        </a:rPr>
+                        <a:t>  </a:t>
+                      </a:r>
+                      <a:r>
+                        <a:rPr lang="ko-KR" altLang="en-US" sz="1100" dirty="0" smtClean="0">
+                          <a:solidFill>
+                            <a:schemeClr val="tx1"/>
+                          </a:solidFill>
+                          <a:latin typeface="+mj-lt"/>
+                        </a:rPr>
+                        <a:t>그래픽카드 교체 </a:t>
+                      </a:r>
+                    </a:p>
+                  </a:txBody>
+                  <a:tcPr anchor="ctr"/>
+                </a:tc>
+                <a:extLst>
+                  <a:ext uri="{0D108BD9-81ED-4DB2-BD59-A6C34878D82A}">
+                    <a16:rowId xmlns:a16="http://schemas.microsoft.com/office/drawing/2014/main" val="2102919096"/>
+                  </a:ext>
+                </a:extLst>
+              </a:tr>
+              <a:tr h="1150776">
+                <a:tc>
+                  <a:txBody>
+                    <a:bodyPr/>
+                    <a:lstStyle/>
+                    <a:p>
+                      <a:pPr algn="ctr" latinLnBrk="1"/>
+                      <a:r>
+                        <a:rPr lang="en-US" altLang="ko-KR" sz="1100" dirty="0" smtClean="0">
+                          <a:solidFill>
+                            <a:schemeClr val="tx1"/>
+                          </a:solidFill>
+                          <a:latin typeface="+mj-lt"/>
+                        </a:rPr>
+                        <a:t>0x00000044</a:t>
+                      </a:r>
+                      <a:endParaRPr lang="ko-KR" altLang="en-US" sz="1100" dirty="0">
+                        <a:solidFill>
+                          <a:schemeClr val="tx1"/>
+                        </a:solidFill>
+                        <a:latin typeface="+mj-lt"/>
+                      </a:endParaRPr>
+                    </a:p>
+                  </a:txBody>
+                  <a:tcPr anchor="ctr"/>
+                </a:tc>
+                <a:tc>
+                  <a:txBody>
+                    <a:bodyPr/>
+                    <a:lstStyle/>
+                    <a:p>
+                      <a:pPr marL="0" indent="0" algn="l">
+                        <a:buFontTx/>
+                        <a:buNone/>
+                      </a:pPr>
+                      <a:r>
+                        <a:rPr lang="en-US" altLang="ko-KR" sz="1100" dirty="0" smtClean="0">
+                          <a:solidFill>
+                            <a:schemeClr val="tx1"/>
+                          </a:solidFill>
+                          <a:latin typeface="+mj-lt"/>
+                        </a:rPr>
+                        <a:t>- </a:t>
+                      </a:r>
+                      <a:r>
+                        <a:rPr lang="ko-KR" altLang="en-US" sz="1100" dirty="0" smtClean="0">
+                          <a:solidFill>
+                            <a:schemeClr val="tx1"/>
+                          </a:solidFill>
+                          <a:latin typeface="+mj-lt"/>
+                        </a:rPr>
+                        <a:t>설치된 각종 장치의 </a:t>
+                      </a:r>
+                      <a:r>
+                        <a:rPr lang="en-US" altLang="ko-KR" sz="1100" dirty="0" smtClean="0">
+                          <a:solidFill>
+                            <a:schemeClr val="tx1"/>
+                          </a:solidFill>
+                          <a:latin typeface="+mj-lt"/>
+                        </a:rPr>
+                        <a:t>Driver</a:t>
+                      </a:r>
+                      <a:r>
+                        <a:rPr lang="ko-KR" altLang="en-US" sz="1100" dirty="0" smtClean="0">
+                          <a:solidFill>
+                            <a:schemeClr val="tx1"/>
+                          </a:solidFill>
+                          <a:latin typeface="+mj-lt"/>
+                        </a:rPr>
+                        <a:t>가 손상 혹은 </a:t>
+                      </a:r>
+                      <a:endParaRPr lang="en-US" altLang="ko-KR" sz="1100" dirty="0" smtClean="0">
+                        <a:solidFill>
+                          <a:schemeClr val="tx1"/>
+                        </a:solidFill>
+                        <a:latin typeface="+mj-lt"/>
+                      </a:endParaRPr>
+                    </a:p>
+                    <a:p>
+                      <a:pPr marL="0" indent="0" algn="l">
+                        <a:buFontTx/>
+                        <a:buNone/>
+                      </a:pPr>
+                      <a:r>
+                        <a:rPr lang="en-US" altLang="ko-KR" sz="1100" dirty="0" smtClean="0">
+                          <a:solidFill>
+                            <a:schemeClr val="tx1"/>
+                          </a:solidFill>
+                          <a:latin typeface="+mj-lt"/>
+                        </a:rPr>
+                        <a:t>  </a:t>
+                      </a:r>
+                      <a:r>
+                        <a:rPr lang="ko-KR" altLang="en-US" sz="1100" dirty="0" smtClean="0">
+                          <a:solidFill>
+                            <a:schemeClr val="tx1"/>
+                          </a:solidFill>
+                          <a:latin typeface="+mj-lt"/>
+                        </a:rPr>
+                        <a:t>미 설치</a:t>
+                      </a:r>
+                      <a:endParaRPr lang="en-US" altLang="ko-KR" sz="1100" dirty="0" smtClean="0">
+                        <a:solidFill>
+                          <a:schemeClr val="tx1"/>
+                        </a:solidFill>
+                        <a:latin typeface="+mj-lt"/>
+                      </a:endParaRPr>
+                    </a:p>
+                    <a:p>
+                      <a:pPr algn="l"/>
+                      <a:r>
+                        <a:rPr lang="en-US" altLang="ko-KR" sz="1100" dirty="0" smtClean="0">
+                          <a:solidFill>
+                            <a:schemeClr val="tx1"/>
+                          </a:solidFill>
+                          <a:latin typeface="+mj-lt"/>
+                        </a:rPr>
+                        <a:t>- </a:t>
+                      </a:r>
+                      <a:r>
+                        <a:rPr lang="ko-KR" altLang="en-US" sz="1100" dirty="0" smtClean="0">
+                          <a:solidFill>
+                            <a:schemeClr val="tx1"/>
+                          </a:solidFill>
+                          <a:latin typeface="+mj-lt"/>
+                        </a:rPr>
+                        <a:t>각종 </a:t>
+                      </a:r>
+                      <a:r>
+                        <a:rPr lang="en-US" altLang="ko-KR" sz="1100" dirty="0" smtClean="0">
+                          <a:solidFill>
+                            <a:schemeClr val="tx1"/>
+                          </a:solidFill>
+                          <a:latin typeface="+mj-lt"/>
+                        </a:rPr>
+                        <a:t>Driver</a:t>
+                      </a:r>
+                      <a:r>
+                        <a:rPr lang="ko-KR" altLang="en-US" sz="1100" dirty="0" smtClean="0">
+                          <a:solidFill>
+                            <a:schemeClr val="tx1"/>
+                          </a:solidFill>
+                          <a:latin typeface="+mj-lt"/>
+                        </a:rPr>
+                        <a:t> 설치 확인</a:t>
+                      </a:r>
+                    </a:p>
+                  </a:txBody>
+                  <a:tcPr anchor="ctr"/>
+                </a:tc>
+                <a:tc>
+                  <a:txBody>
+                    <a:bodyPr/>
+                    <a:lstStyle/>
+                    <a:p>
+                      <a:pPr algn="ctr" latinLnBrk="1"/>
+                      <a:r>
+                        <a:rPr lang="en-US" altLang="ko-KR" sz="1100" dirty="0" smtClean="0">
+                          <a:solidFill>
+                            <a:schemeClr val="tx1"/>
+                          </a:solidFill>
+                          <a:latin typeface="+mj-lt"/>
+                        </a:rPr>
+                        <a:t>0x0000007B</a:t>
+                      </a:r>
+                      <a:endParaRPr lang="ko-KR" altLang="en-US" sz="1100" dirty="0">
+                        <a:solidFill>
+                          <a:schemeClr val="tx1"/>
+                        </a:solidFill>
+                        <a:latin typeface="+mj-lt"/>
+                      </a:endParaRPr>
+                    </a:p>
+                  </a:txBody>
+                  <a:tcPr anchor="ctr"/>
+                </a:tc>
+                <a:tc>
+                  <a:txBody>
+                    <a:bodyPr/>
+                    <a:lstStyle/>
+                    <a:p>
+                      <a:pPr marL="0" indent="0">
+                        <a:buFontTx/>
+                        <a:buNone/>
+                      </a:pPr>
+                      <a:r>
+                        <a:rPr lang="en-US" altLang="ko-KR" sz="1100" dirty="0" smtClean="0">
+                          <a:solidFill>
+                            <a:schemeClr val="tx1"/>
+                          </a:solidFill>
+                          <a:latin typeface="+mj-lt"/>
+                        </a:rPr>
+                        <a:t>- </a:t>
+                      </a:r>
+                      <a:r>
+                        <a:rPr lang="ko-KR" altLang="en-US" sz="1100" dirty="0" smtClean="0">
+                          <a:solidFill>
+                            <a:schemeClr val="tx1"/>
+                          </a:solidFill>
+                          <a:latin typeface="+mj-lt"/>
+                        </a:rPr>
+                        <a:t>설치되어 있는 윈도우가 시작을 못했을 </a:t>
+                      </a:r>
+                      <a:endParaRPr lang="en-US" altLang="ko-KR" sz="1100" dirty="0" smtClean="0">
+                        <a:solidFill>
+                          <a:schemeClr val="tx1"/>
+                        </a:solidFill>
+                        <a:latin typeface="+mj-lt"/>
+                      </a:endParaRPr>
+                    </a:p>
+                    <a:p>
+                      <a:pPr marL="0" indent="0">
+                        <a:buFontTx/>
+                        <a:buNone/>
+                      </a:pPr>
+                      <a:r>
+                        <a:rPr lang="en-US" altLang="ko-KR" sz="1100" baseline="0" dirty="0" smtClean="0">
+                          <a:solidFill>
+                            <a:schemeClr val="tx1"/>
+                          </a:solidFill>
+                          <a:latin typeface="+mj-lt"/>
+                        </a:rPr>
+                        <a:t>  </a:t>
+                      </a:r>
+                      <a:r>
+                        <a:rPr lang="ko-KR" altLang="en-US" sz="1100" dirty="0" smtClean="0">
+                          <a:solidFill>
+                            <a:schemeClr val="tx1"/>
+                          </a:solidFill>
+                          <a:latin typeface="+mj-lt"/>
+                        </a:rPr>
+                        <a:t>경우 발생</a:t>
+                      </a:r>
+                      <a:endParaRPr lang="en-US" altLang="ko-KR" sz="1100" dirty="0" smtClean="0">
+                        <a:solidFill>
+                          <a:schemeClr val="tx1"/>
+                        </a:solidFill>
+                        <a:latin typeface="+mj-lt"/>
+                      </a:endParaRPr>
+                    </a:p>
+                    <a:p>
+                      <a:pPr marL="0" indent="0">
+                        <a:buFontTx/>
+                        <a:buNone/>
+                      </a:pPr>
+                      <a:r>
+                        <a:rPr lang="en-US" altLang="ko-KR" sz="1100" dirty="0" smtClean="0">
+                          <a:solidFill>
+                            <a:schemeClr val="tx1"/>
+                          </a:solidFill>
+                          <a:latin typeface="+mj-lt"/>
+                        </a:rPr>
+                        <a:t>- </a:t>
+                      </a:r>
+                      <a:r>
+                        <a:rPr lang="ko-KR" altLang="en-US" sz="1100" dirty="0" smtClean="0">
+                          <a:solidFill>
+                            <a:schemeClr val="tx1"/>
+                          </a:solidFill>
+                          <a:latin typeface="+mj-lt"/>
+                        </a:rPr>
+                        <a:t>윈도우를 다시 설치</a:t>
+                      </a:r>
+                      <a:r>
+                        <a:rPr lang="en-US" altLang="ko-KR" sz="1100" dirty="0" smtClean="0">
+                          <a:solidFill>
+                            <a:schemeClr val="tx1"/>
+                          </a:solidFill>
+                          <a:latin typeface="+mj-lt"/>
+                        </a:rPr>
+                        <a:t>, </a:t>
+                      </a:r>
+                      <a:r>
+                        <a:rPr lang="ko-KR" altLang="en-US" sz="1100" dirty="0" smtClean="0">
+                          <a:solidFill>
+                            <a:schemeClr val="tx1"/>
+                          </a:solidFill>
+                          <a:latin typeface="+mj-lt"/>
+                        </a:rPr>
+                        <a:t>바이오스의 부팅 순서</a:t>
+                      </a:r>
+                      <a:endParaRPr lang="en-US" altLang="ko-KR" sz="1100" dirty="0" smtClean="0">
+                        <a:solidFill>
+                          <a:schemeClr val="tx1"/>
+                        </a:solidFill>
+                        <a:latin typeface="+mj-lt"/>
+                      </a:endParaRPr>
+                    </a:p>
+                    <a:p>
+                      <a:pPr marL="0" indent="0">
+                        <a:buFontTx/>
+                        <a:buNone/>
+                      </a:pPr>
+                      <a:r>
+                        <a:rPr lang="en-US" altLang="ko-KR" sz="1100" baseline="0" dirty="0" smtClean="0">
+                          <a:solidFill>
+                            <a:schemeClr val="tx1"/>
+                          </a:solidFill>
+                          <a:latin typeface="+mj-lt"/>
+                        </a:rPr>
+                        <a:t>  </a:t>
+                      </a:r>
+                      <a:r>
+                        <a:rPr lang="ko-KR" altLang="en-US" sz="1100" dirty="0" smtClean="0">
+                          <a:solidFill>
+                            <a:schemeClr val="tx1"/>
+                          </a:solidFill>
+                          <a:latin typeface="+mj-lt"/>
+                        </a:rPr>
+                        <a:t>점검</a:t>
+                      </a:r>
+                      <a:r>
+                        <a:rPr lang="en-US" altLang="ko-KR" sz="1100" dirty="0" smtClean="0">
+                          <a:solidFill>
+                            <a:schemeClr val="tx1"/>
+                          </a:solidFill>
+                          <a:latin typeface="+mj-lt"/>
+                        </a:rPr>
+                        <a:t>, HDD</a:t>
+                      </a:r>
+                      <a:r>
+                        <a:rPr lang="ko-KR" altLang="en-US" sz="1100" dirty="0" smtClean="0">
+                          <a:solidFill>
+                            <a:schemeClr val="tx1"/>
+                          </a:solidFill>
+                          <a:latin typeface="+mj-lt"/>
+                        </a:rPr>
+                        <a:t> 점검</a:t>
+                      </a:r>
+                    </a:p>
+                  </a:txBody>
+                  <a:tcPr anchor="ctr"/>
+                </a:tc>
+                <a:extLst>
+                  <a:ext uri="{0D108BD9-81ED-4DB2-BD59-A6C34878D82A}">
+                    <a16:rowId xmlns:a16="http://schemas.microsoft.com/office/drawing/2014/main" val="951050463"/>
+                  </a:ext>
+                </a:extLst>
+              </a:tr>
+              <a:tr h="644434">
+                <a:tc>
+                  <a:txBody>
+                    <a:bodyPr/>
+                    <a:lstStyle/>
+                    <a:p>
+                      <a:pPr algn="ctr" latinLnBrk="1"/>
+                      <a:r>
+                        <a:rPr lang="en-US" altLang="ko-KR" sz="1100" dirty="0" smtClean="0">
+                          <a:solidFill>
+                            <a:schemeClr val="tx1"/>
+                          </a:solidFill>
+                          <a:latin typeface="+mj-lt"/>
+                        </a:rPr>
+                        <a:t>0x00000050</a:t>
+                      </a:r>
+                      <a:endParaRPr lang="ko-KR" altLang="en-US" sz="1100" dirty="0">
+                        <a:solidFill>
+                          <a:schemeClr val="tx1"/>
+                        </a:solidFill>
+                        <a:latin typeface="+mj-lt"/>
+                      </a:endParaRPr>
+                    </a:p>
+                  </a:txBody>
+                  <a:tcPr anchor="ctr"/>
+                </a:tc>
+                <a:tc>
+                  <a:txBody>
+                    <a:bodyPr/>
+                    <a:lstStyle/>
+                    <a:p>
+                      <a:pPr algn="l"/>
+                      <a:r>
+                        <a:rPr lang="en-US" altLang="ko-KR" sz="1100" dirty="0" smtClean="0">
+                          <a:solidFill>
+                            <a:schemeClr val="tx1"/>
+                          </a:solidFill>
+                          <a:latin typeface="+mj-lt"/>
+                        </a:rPr>
+                        <a:t>- </a:t>
+                      </a:r>
+                      <a:r>
+                        <a:rPr lang="ko-KR" altLang="en-US" sz="1100" dirty="0" smtClean="0">
+                          <a:solidFill>
+                            <a:schemeClr val="tx1"/>
+                          </a:solidFill>
+                          <a:latin typeface="+mj-lt"/>
+                        </a:rPr>
+                        <a:t>작업에 필요한 </a:t>
+                      </a:r>
+                      <a:r>
+                        <a:rPr lang="en-US" altLang="ko-KR" sz="1100" dirty="0" smtClean="0">
+                          <a:solidFill>
+                            <a:schemeClr val="tx1"/>
+                          </a:solidFill>
+                          <a:latin typeface="+mj-lt"/>
+                        </a:rPr>
+                        <a:t>Data</a:t>
+                      </a:r>
+                      <a:r>
+                        <a:rPr lang="ko-KR" altLang="en-US" sz="1100" dirty="0" smtClean="0">
+                          <a:solidFill>
+                            <a:schemeClr val="tx1"/>
+                          </a:solidFill>
+                          <a:latin typeface="+mj-lt"/>
+                        </a:rPr>
+                        <a:t> </a:t>
+                      </a:r>
+                      <a:r>
+                        <a:rPr lang="en-US" altLang="ko-KR" sz="1100" dirty="0" smtClean="0">
+                          <a:solidFill>
+                            <a:schemeClr val="tx1"/>
+                          </a:solidFill>
+                          <a:latin typeface="+mj-lt"/>
+                        </a:rPr>
+                        <a:t>Memory</a:t>
+                      </a:r>
+                      <a:r>
+                        <a:rPr lang="ko-KR" altLang="en-US" sz="1100" dirty="0" smtClean="0">
+                          <a:solidFill>
+                            <a:schemeClr val="tx1"/>
+                          </a:solidFill>
+                          <a:latin typeface="+mj-lt"/>
+                        </a:rPr>
+                        <a:t>가 없을 경우 발생</a:t>
+                      </a:r>
+                      <a:endParaRPr lang="en-US" altLang="ko-KR" sz="1100" dirty="0" smtClean="0">
+                        <a:solidFill>
+                          <a:schemeClr val="tx1"/>
+                        </a:solidFill>
+                        <a:latin typeface="+mj-lt"/>
+                      </a:endParaRPr>
+                    </a:p>
+                    <a:p>
+                      <a:pPr algn="l"/>
+                      <a:r>
+                        <a:rPr lang="en-US" altLang="ko-KR" sz="1100" dirty="0" smtClean="0">
+                          <a:solidFill>
+                            <a:schemeClr val="tx1"/>
+                          </a:solidFill>
+                          <a:latin typeface="+mj-lt"/>
+                        </a:rPr>
+                        <a:t>- RAM</a:t>
+                      </a:r>
+                      <a:r>
+                        <a:rPr lang="ko-KR" altLang="en-US" sz="1100" dirty="0" smtClean="0">
+                          <a:solidFill>
+                            <a:schemeClr val="tx1"/>
+                          </a:solidFill>
+                          <a:latin typeface="+mj-lt"/>
+                        </a:rPr>
+                        <a:t> 불량 혹은 접촉불량으로 </a:t>
+                      </a:r>
+                      <a:r>
+                        <a:rPr lang="en-US" altLang="ko-KR" sz="1100" dirty="0" smtClean="0">
+                          <a:solidFill>
+                            <a:schemeClr val="tx1"/>
+                          </a:solidFill>
+                          <a:latin typeface="+mj-lt"/>
+                        </a:rPr>
+                        <a:t>RAM</a:t>
+                      </a:r>
+                      <a:r>
+                        <a:rPr lang="ko-KR" altLang="en-US" sz="1100" dirty="0" smtClean="0">
+                          <a:solidFill>
+                            <a:schemeClr val="tx1"/>
+                          </a:solidFill>
+                          <a:latin typeface="+mj-lt"/>
+                        </a:rPr>
+                        <a:t> 재 체결</a:t>
+                      </a:r>
+                      <a:endParaRPr lang="ko-KR" altLang="en-US" sz="1100" dirty="0">
+                        <a:solidFill>
+                          <a:schemeClr val="tx1"/>
+                        </a:solidFill>
+                        <a:latin typeface="+mj-lt"/>
+                      </a:endParaRPr>
+                    </a:p>
+                  </a:txBody>
+                  <a:tcPr anchor="ctr"/>
+                </a:tc>
+                <a:tc>
+                  <a:txBody>
+                    <a:bodyPr/>
+                    <a:lstStyle/>
+                    <a:p>
+                      <a:pPr algn="ctr" latinLnBrk="1"/>
+                      <a:r>
+                        <a:rPr lang="en-US" altLang="ko-KR" sz="1100" dirty="0" smtClean="0">
+                          <a:solidFill>
+                            <a:schemeClr val="tx1"/>
+                          </a:solidFill>
+                          <a:latin typeface="+mj-lt"/>
+                        </a:rPr>
+                        <a:t>0x0000000A</a:t>
+                      </a:r>
+                      <a:endParaRPr lang="ko-KR" altLang="en-US" sz="1100" dirty="0">
+                        <a:solidFill>
+                          <a:schemeClr val="tx1"/>
+                        </a:solidFill>
+                        <a:latin typeface="+mj-lt"/>
+                      </a:endParaRPr>
+                    </a:p>
+                  </a:txBody>
+                  <a:tcPr anchor="ctr"/>
+                </a:tc>
+                <a:tc>
+                  <a:txBody>
+                    <a:bodyPr/>
+                    <a:lstStyle/>
+                    <a:p>
+                      <a:r>
+                        <a:rPr lang="en-US" altLang="ko-KR" sz="1100" dirty="0" smtClean="0">
+                          <a:solidFill>
+                            <a:schemeClr val="tx1"/>
+                          </a:solidFill>
+                          <a:latin typeface="+mj-lt"/>
+                        </a:rPr>
+                        <a:t>- HDD</a:t>
+                      </a:r>
+                      <a:r>
+                        <a:rPr lang="ko-KR" altLang="en-US" sz="1100" dirty="0" smtClean="0">
+                          <a:solidFill>
+                            <a:schemeClr val="tx1"/>
+                          </a:solidFill>
+                          <a:latin typeface="+mj-lt"/>
+                        </a:rPr>
+                        <a:t>에 논리적</a:t>
+                      </a:r>
+                      <a:r>
+                        <a:rPr lang="en-US" altLang="ko-KR" sz="1100" dirty="0" smtClean="0">
+                          <a:solidFill>
+                            <a:schemeClr val="tx1"/>
+                          </a:solidFill>
+                          <a:latin typeface="+mj-lt"/>
+                        </a:rPr>
+                        <a:t>, </a:t>
+                      </a:r>
+                      <a:r>
+                        <a:rPr lang="ko-KR" altLang="en-US" sz="1100" dirty="0" smtClean="0">
+                          <a:solidFill>
+                            <a:schemeClr val="tx1"/>
+                          </a:solidFill>
+                          <a:latin typeface="+mj-lt"/>
+                        </a:rPr>
+                        <a:t>물리적 오류가 발생</a:t>
+                      </a:r>
+                    </a:p>
+                    <a:p>
+                      <a:r>
+                        <a:rPr lang="en-US" altLang="ko-KR" sz="1100" dirty="0" smtClean="0">
+                          <a:solidFill>
+                            <a:schemeClr val="tx1"/>
+                          </a:solidFill>
+                          <a:latin typeface="+mj-lt"/>
+                        </a:rPr>
+                        <a:t>- </a:t>
+                      </a:r>
+                      <a:r>
+                        <a:rPr lang="ko-KR" altLang="en-US" sz="1100" dirty="0" smtClean="0">
+                          <a:solidFill>
+                            <a:schemeClr val="tx1"/>
+                          </a:solidFill>
+                          <a:latin typeface="+mj-lt"/>
+                        </a:rPr>
+                        <a:t>포맷 혹은 </a:t>
+                      </a:r>
+                      <a:r>
+                        <a:rPr lang="en-US" altLang="ko-KR" sz="1100" dirty="0" smtClean="0">
+                          <a:solidFill>
+                            <a:schemeClr val="tx1"/>
+                          </a:solidFill>
+                          <a:latin typeface="+mj-lt"/>
+                        </a:rPr>
+                        <a:t>HDD</a:t>
+                      </a:r>
+                      <a:r>
+                        <a:rPr lang="ko-KR" altLang="en-US" sz="1100" dirty="0" smtClean="0">
+                          <a:solidFill>
+                            <a:schemeClr val="tx1"/>
+                          </a:solidFill>
+                          <a:latin typeface="+mj-lt"/>
+                        </a:rPr>
+                        <a:t> </a:t>
+                      </a:r>
+                      <a:r>
+                        <a:rPr lang="ko-KR" altLang="en-US" sz="1100" dirty="0" err="1" smtClean="0">
+                          <a:solidFill>
+                            <a:schemeClr val="tx1"/>
+                          </a:solidFill>
+                          <a:latin typeface="+mj-lt"/>
+                        </a:rPr>
+                        <a:t>배드</a:t>
+                      </a:r>
+                      <a:r>
+                        <a:rPr lang="ko-KR" altLang="en-US" sz="1100" dirty="0" smtClean="0">
+                          <a:solidFill>
+                            <a:schemeClr val="tx1"/>
+                          </a:solidFill>
+                          <a:latin typeface="+mj-lt"/>
+                        </a:rPr>
+                        <a:t> 섹터 점검</a:t>
+                      </a:r>
+                    </a:p>
+                  </a:txBody>
+                  <a:tcPr anchor="ctr"/>
+                </a:tc>
+                <a:extLst>
+                  <a:ext uri="{0D108BD9-81ED-4DB2-BD59-A6C34878D82A}">
+                    <a16:rowId xmlns:a16="http://schemas.microsoft.com/office/drawing/2014/main" val="1755441004"/>
+                  </a:ext>
+                </a:extLst>
+              </a:tr>
+              <a:tr h="897605">
+                <a:tc>
+                  <a:txBody>
+                    <a:bodyPr/>
+                    <a:lstStyle/>
+                    <a:p>
+                      <a:pPr algn="ctr" latinLnBrk="1"/>
+                      <a:r>
+                        <a:rPr lang="en-US" altLang="ko-KR" sz="1100" dirty="0" smtClean="0">
+                          <a:solidFill>
+                            <a:schemeClr val="tx1"/>
+                          </a:solidFill>
+                          <a:latin typeface="+mj-lt"/>
+                        </a:rPr>
+                        <a:t>0x000000F4</a:t>
+                      </a:r>
+                      <a:endParaRPr lang="ko-KR" altLang="en-US" sz="1100" dirty="0">
+                        <a:solidFill>
+                          <a:schemeClr val="tx1"/>
+                        </a:solidFill>
+                        <a:latin typeface="+mj-lt"/>
+                      </a:endParaRPr>
+                    </a:p>
+                  </a:txBody>
+                  <a:tcPr anchor="ctr"/>
+                </a:tc>
+                <a:tc>
+                  <a:txBody>
+                    <a:bodyPr/>
+                    <a:lstStyle/>
+                    <a:p>
+                      <a:pPr marL="0" indent="0">
+                        <a:buFontTx/>
+                        <a:buNone/>
+                      </a:pPr>
+                      <a:r>
+                        <a:rPr lang="en-US" altLang="ko-KR" sz="1100" dirty="0" smtClean="0">
+                          <a:solidFill>
+                            <a:schemeClr val="tx1"/>
+                          </a:solidFill>
+                          <a:latin typeface="+mj-lt"/>
+                        </a:rPr>
+                        <a:t>-</a:t>
+                      </a:r>
+                      <a:r>
+                        <a:rPr lang="en-US" altLang="ko-KR" sz="1100" baseline="0" dirty="0" smtClean="0">
+                          <a:solidFill>
+                            <a:schemeClr val="tx1"/>
+                          </a:solidFill>
+                          <a:latin typeface="+mj-lt"/>
+                        </a:rPr>
+                        <a:t> SW</a:t>
+                      </a:r>
+                      <a:r>
+                        <a:rPr lang="ko-KR" altLang="en-US" sz="1100" dirty="0" smtClean="0">
+                          <a:solidFill>
+                            <a:schemeClr val="tx1"/>
+                          </a:solidFill>
+                          <a:latin typeface="+mj-lt"/>
+                        </a:rPr>
+                        <a:t> 충돌일 혹은 </a:t>
+                      </a:r>
+                      <a:r>
+                        <a:rPr lang="en-US" altLang="ko-KR" sz="1100" dirty="0" smtClean="0">
+                          <a:solidFill>
+                            <a:schemeClr val="tx1"/>
+                          </a:solidFill>
+                          <a:latin typeface="+mj-lt"/>
+                        </a:rPr>
+                        <a:t>HDD</a:t>
+                      </a:r>
+                      <a:r>
+                        <a:rPr lang="ko-KR" altLang="en-US" sz="1100" dirty="0" smtClean="0">
+                          <a:solidFill>
+                            <a:schemeClr val="tx1"/>
+                          </a:solidFill>
+                          <a:latin typeface="+mj-lt"/>
+                        </a:rPr>
+                        <a:t>의 불량으로 발생</a:t>
+                      </a:r>
+                      <a:endParaRPr lang="en-US" altLang="ko-KR" sz="1100" dirty="0" smtClean="0">
+                        <a:solidFill>
+                          <a:schemeClr val="tx1"/>
+                        </a:solidFill>
+                        <a:latin typeface="+mj-lt"/>
+                      </a:endParaRPr>
+                    </a:p>
+                    <a:p>
+                      <a:r>
+                        <a:rPr lang="en-US" altLang="ko-KR" sz="1100" dirty="0" smtClean="0">
+                          <a:solidFill>
+                            <a:schemeClr val="tx1"/>
+                          </a:solidFill>
+                          <a:latin typeface="+mj-lt"/>
+                        </a:rPr>
+                        <a:t>- Format</a:t>
+                      </a:r>
+                      <a:r>
+                        <a:rPr lang="ko-KR" altLang="en-US" sz="1100" dirty="0" smtClean="0">
+                          <a:solidFill>
+                            <a:schemeClr val="tx1"/>
+                          </a:solidFill>
+                          <a:latin typeface="+mj-lt"/>
+                        </a:rPr>
+                        <a:t> 혹은 </a:t>
+                      </a:r>
+                      <a:r>
+                        <a:rPr lang="en-US" altLang="ko-KR" sz="1100" dirty="0" smtClean="0">
+                          <a:solidFill>
+                            <a:schemeClr val="tx1"/>
+                          </a:solidFill>
+                          <a:latin typeface="+mj-lt"/>
+                        </a:rPr>
+                        <a:t>HDD</a:t>
+                      </a:r>
+                      <a:r>
+                        <a:rPr lang="ko-KR" altLang="en-US" sz="1100" dirty="0" smtClean="0">
+                          <a:solidFill>
+                            <a:schemeClr val="tx1"/>
+                          </a:solidFill>
+                          <a:latin typeface="+mj-lt"/>
+                        </a:rPr>
+                        <a:t>를 점검</a:t>
+                      </a:r>
+                    </a:p>
+                  </a:txBody>
+                  <a:tcPr anchor="ctr"/>
+                </a:tc>
+                <a:tc>
+                  <a:txBody>
+                    <a:bodyPr/>
+                    <a:lstStyle/>
+                    <a:p>
+                      <a:pPr algn="ctr" latinLnBrk="1"/>
+                      <a:r>
+                        <a:rPr lang="en-US" altLang="ko-KR" sz="1100" dirty="0" smtClean="0">
+                          <a:solidFill>
+                            <a:schemeClr val="tx1"/>
+                          </a:solidFill>
+                          <a:latin typeface="+mj-lt"/>
+                        </a:rPr>
+                        <a:t>-</a:t>
+                      </a:r>
+                      <a:endParaRPr lang="ko-KR" altLang="en-US" sz="1100" dirty="0">
+                        <a:solidFill>
+                          <a:schemeClr val="tx1"/>
+                        </a:solidFill>
+                        <a:latin typeface="+mj-lt"/>
+                      </a:endParaRPr>
+                    </a:p>
+                  </a:txBody>
+                  <a:tcPr anchor="ctr"/>
+                </a:tc>
+                <a:tc>
+                  <a:txBody>
+                    <a:bodyPr/>
+                    <a:lstStyle/>
+                    <a:p>
+                      <a:pPr algn="l" latinLnBrk="1"/>
+                      <a:r>
+                        <a:rPr lang="en-US" altLang="ko-KR" sz="1100" dirty="0" err="1" smtClean="0">
+                          <a:solidFill>
+                            <a:schemeClr val="tx1"/>
+                          </a:solidFill>
+                          <a:latin typeface="+mj-lt"/>
+                        </a:rPr>
+                        <a:t>Unkcown</a:t>
+                      </a:r>
+                      <a:r>
+                        <a:rPr lang="en-US" altLang="ko-KR" sz="1100" dirty="0" smtClean="0">
+                          <a:solidFill>
+                            <a:schemeClr val="tx1"/>
+                          </a:solidFill>
+                          <a:latin typeface="+mj-lt"/>
+                        </a:rPr>
+                        <a:t> Hard Error,  Memory Dump </a:t>
+                      </a:r>
+                      <a:r>
+                        <a:rPr lang="ko-KR" altLang="en-US" sz="1100" dirty="0" smtClean="0">
+                          <a:solidFill>
+                            <a:schemeClr val="tx1"/>
+                          </a:solidFill>
+                          <a:latin typeface="+mj-lt"/>
+                        </a:rPr>
+                        <a:t>에러</a:t>
+                      </a:r>
+                      <a:endParaRPr lang="en-US" altLang="ko-KR" sz="1100" dirty="0" smtClean="0">
+                        <a:solidFill>
+                          <a:schemeClr val="tx1"/>
+                        </a:solidFill>
+                        <a:latin typeface="+mj-lt"/>
+                      </a:endParaRPr>
+                    </a:p>
+                    <a:p>
+                      <a:pPr algn="l" latinLnBrk="1"/>
+                      <a:r>
+                        <a:rPr lang="en-US" altLang="ko-KR" sz="1100" baseline="0" dirty="0" smtClean="0">
+                          <a:solidFill>
+                            <a:schemeClr val="tx1"/>
+                          </a:solidFill>
+                          <a:latin typeface="+mj-lt"/>
+                        </a:rPr>
+                        <a:t>  - </a:t>
+                      </a:r>
+                      <a:r>
+                        <a:rPr lang="ko-KR" altLang="en-US" sz="1100" baseline="0" dirty="0" smtClean="0">
+                          <a:solidFill>
+                            <a:schemeClr val="tx1"/>
+                          </a:solidFill>
+                          <a:latin typeface="+mj-lt"/>
+                        </a:rPr>
+                        <a:t>램</a:t>
+                      </a:r>
+                      <a:r>
+                        <a:rPr lang="en-US" altLang="ko-KR" sz="1100" baseline="0" dirty="0" smtClean="0">
+                          <a:solidFill>
+                            <a:schemeClr val="tx1"/>
+                          </a:solidFill>
+                          <a:latin typeface="+mj-lt"/>
+                        </a:rPr>
+                        <a:t>, </a:t>
+                      </a:r>
+                      <a:r>
+                        <a:rPr lang="ko-KR" altLang="en-US" sz="1100" baseline="0" dirty="0" smtClean="0">
+                          <a:solidFill>
+                            <a:schemeClr val="tx1"/>
+                          </a:solidFill>
+                          <a:latin typeface="+mj-lt"/>
+                        </a:rPr>
+                        <a:t>하드</a:t>
+                      </a:r>
+                      <a:r>
+                        <a:rPr lang="en-US" altLang="ko-KR" sz="1100" baseline="0" dirty="0" smtClean="0">
+                          <a:solidFill>
+                            <a:schemeClr val="tx1"/>
+                          </a:solidFill>
+                          <a:latin typeface="+mj-lt"/>
+                        </a:rPr>
+                        <a:t>, </a:t>
+                      </a:r>
+                      <a:r>
+                        <a:rPr lang="ko-KR" altLang="en-US" sz="1100" baseline="0" dirty="0" err="1" smtClean="0">
+                          <a:solidFill>
+                            <a:schemeClr val="tx1"/>
+                          </a:solidFill>
+                          <a:latin typeface="+mj-lt"/>
+                        </a:rPr>
+                        <a:t>시디롬</a:t>
+                      </a:r>
+                      <a:r>
+                        <a:rPr lang="en-US" altLang="ko-KR" sz="1100" baseline="0" dirty="0" smtClean="0">
+                          <a:solidFill>
+                            <a:schemeClr val="tx1"/>
+                          </a:solidFill>
+                          <a:latin typeface="+mj-lt"/>
+                        </a:rPr>
+                        <a:t>, </a:t>
+                      </a:r>
+                      <a:r>
+                        <a:rPr lang="ko-KR" altLang="en-US" sz="1100" baseline="0" dirty="0" smtClean="0">
+                          <a:solidFill>
+                            <a:schemeClr val="tx1"/>
+                          </a:solidFill>
+                          <a:latin typeface="+mj-lt"/>
+                        </a:rPr>
+                        <a:t>메인보드</a:t>
+                      </a:r>
+                      <a:r>
+                        <a:rPr lang="en-US" altLang="ko-KR" sz="1100" baseline="0" dirty="0" smtClean="0">
+                          <a:solidFill>
+                            <a:schemeClr val="tx1"/>
+                          </a:solidFill>
+                          <a:latin typeface="+mj-lt"/>
+                        </a:rPr>
+                        <a:t>, </a:t>
+                      </a:r>
+                      <a:r>
+                        <a:rPr lang="ko-KR" altLang="en-US" sz="1100" baseline="0" dirty="0" smtClean="0">
+                          <a:solidFill>
+                            <a:schemeClr val="tx1"/>
+                          </a:solidFill>
+                          <a:latin typeface="+mj-lt"/>
+                        </a:rPr>
+                        <a:t>그래픽</a:t>
+                      </a:r>
+                      <a:r>
+                        <a:rPr lang="en-US" altLang="ko-KR" sz="1100" baseline="0" dirty="0" smtClean="0">
+                          <a:solidFill>
+                            <a:schemeClr val="tx1"/>
+                          </a:solidFill>
+                          <a:latin typeface="+mj-lt"/>
+                        </a:rPr>
+                        <a:t>, </a:t>
+                      </a:r>
+                      <a:r>
+                        <a:rPr lang="ko-KR" altLang="en-US" sz="1100" baseline="0" dirty="0" smtClean="0">
+                          <a:solidFill>
+                            <a:schemeClr val="tx1"/>
+                          </a:solidFill>
+                          <a:latin typeface="+mj-lt"/>
+                        </a:rPr>
+                        <a:t>등 </a:t>
+                      </a:r>
+                      <a:endParaRPr lang="en-US" altLang="ko-KR" sz="1100" baseline="0" dirty="0" smtClean="0">
+                        <a:solidFill>
+                          <a:schemeClr val="tx1"/>
+                        </a:solidFill>
+                        <a:latin typeface="+mj-lt"/>
+                      </a:endParaRPr>
+                    </a:p>
+                    <a:p>
+                      <a:pPr algn="l" latinLnBrk="1"/>
+                      <a:r>
+                        <a:rPr lang="en-US" altLang="ko-KR" sz="1100" baseline="0" dirty="0" smtClean="0">
+                          <a:solidFill>
+                            <a:schemeClr val="tx1"/>
+                          </a:solidFill>
+                          <a:latin typeface="+mj-lt"/>
+                        </a:rPr>
+                        <a:t>    </a:t>
+                      </a:r>
+                      <a:r>
+                        <a:rPr lang="ko-KR" altLang="en-US" sz="1100" baseline="0" dirty="0" smtClean="0">
+                          <a:solidFill>
+                            <a:schemeClr val="tx1"/>
+                          </a:solidFill>
+                          <a:latin typeface="+mj-lt"/>
+                        </a:rPr>
+                        <a:t>기타 부품 교체</a:t>
+                      </a:r>
+                      <a:r>
+                        <a:rPr lang="en-US" altLang="ko-KR" sz="1100" baseline="0" dirty="0" smtClean="0">
+                          <a:solidFill>
+                            <a:schemeClr val="tx1"/>
+                          </a:solidFill>
+                          <a:latin typeface="+mj-lt"/>
+                        </a:rPr>
+                        <a:t> </a:t>
+                      </a:r>
+                      <a:endParaRPr lang="ko-KR" altLang="en-US" sz="1100" dirty="0">
+                        <a:solidFill>
+                          <a:schemeClr val="tx1"/>
+                        </a:solidFill>
+                        <a:latin typeface="+mj-lt"/>
+                      </a:endParaRPr>
+                    </a:p>
+                  </a:txBody>
+                  <a:tcPr anchor="ctr"/>
+                </a:tc>
+                <a:extLst>
+                  <a:ext uri="{0D108BD9-81ED-4DB2-BD59-A6C34878D82A}">
+                    <a16:rowId xmlns:a16="http://schemas.microsoft.com/office/drawing/2014/main" val="3660993610"/>
+                  </a:ext>
+                </a:extLst>
+              </a:tr>
+            </a:tbl>
+          </a:graphicData>
+        </a:graphic>
+      </p:graphicFrame>
+      <p:sp>
+        <p:nvSpPr>
+          <p:cNvPr id="6" name="제목 2"/>
+          <p:cNvSpPr>
+            <a:spLocks noGrp="1"/>
+          </p:cNvSpPr>
+          <p:nvPr>
+            <p:ph type="title"/>
+          </p:nvPr>
+        </p:nvSpPr>
+        <p:spPr>
+          <a:xfrm>
+            <a:off x="251520" y="16916"/>
+            <a:ext cx="6840760" cy="678555"/>
+          </a:xfrm>
+        </p:spPr>
+        <p:txBody>
+          <a:bodyPr/>
+          <a:lstStyle/>
+          <a:p>
+            <a:r>
+              <a:rPr lang="en-US" altLang="ko-KR" spc="-300" dirty="0" err="1"/>
+              <a:t>WhoCrashed</a:t>
+            </a:r>
+            <a:r>
+              <a:rPr lang="en-US" altLang="ko-KR" spc="-300" dirty="0"/>
+              <a:t> SOP</a:t>
+            </a:r>
+          </a:p>
+        </p:txBody>
+      </p:sp>
+      <p:sp>
+        <p:nvSpPr>
+          <p:cNvPr id="8" name="직사각형 7"/>
+          <p:cNvSpPr/>
+          <p:nvPr/>
+        </p:nvSpPr>
+        <p:spPr>
+          <a:xfrm>
+            <a:off x="179512" y="713386"/>
+            <a:ext cx="4680520" cy="411358"/>
+          </a:xfrm>
+          <a:prstGeom prst="rect">
+            <a:avLst/>
+          </a:prstGeom>
+          <a:noFill/>
+        </p:spPr>
+        <p:txBody>
+          <a:bodyPr wrap="square" lIns="81197" tIns="0" rIns="31968" bIns="31968">
+            <a:spAutoFit/>
+          </a:bodyPr>
+          <a:lstStyle/>
+          <a:p>
+            <a:pPr defTabSz="913943" latinLnBrk="0">
+              <a:lnSpc>
+                <a:spcPct val="140000"/>
+              </a:lnSpc>
+              <a:spcBef>
+                <a:spcPts val="800"/>
+              </a:spcBef>
+              <a:buSzPct val="90000"/>
+              <a:buFontTx/>
+              <a:buBlip>
+                <a:blip r:embed="rId3"/>
+              </a:buBlip>
+              <a:defRPr/>
+            </a:pPr>
+            <a:r>
+              <a:rPr lang="ko-KR" altLang="en-US" sz="2000" b="1" kern="0" dirty="0" smtClean="0">
+                <a:latin typeface="맑은 고딕" panose="020B0503020000020004" pitchFamily="50" charset="-127"/>
+                <a:ea typeface="맑은 고딕" panose="020B0503020000020004" pitchFamily="50" charset="-127"/>
+              </a:rPr>
+              <a:t>블루 스크린 </a:t>
+            </a:r>
+            <a:r>
+              <a:rPr lang="en-US" altLang="ko-KR" sz="2000" b="1" kern="0" dirty="0" smtClean="0">
+                <a:latin typeface="맑은 고딕" panose="020B0503020000020004" pitchFamily="50" charset="-127"/>
+                <a:ea typeface="맑은 고딕" panose="020B0503020000020004" pitchFamily="50" charset="-127"/>
+              </a:rPr>
+              <a:t>Error </a:t>
+            </a:r>
+            <a:r>
+              <a:rPr lang="ko-KR" altLang="en-US" sz="2000" b="1" kern="0" dirty="0" smtClean="0">
+                <a:latin typeface="맑은 고딕" panose="020B0503020000020004" pitchFamily="50" charset="-127"/>
+                <a:ea typeface="맑은 고딕" panose="020B0503020000020004" pitchFamily="50" charset="-127"/>
+              </a:rPr>
+              <a:t>코드</a:t>
+            </a:r>
+            <a:endParaRPr lang="en-US" altLang="ko-KR" sz="2000" b="1" kern="0" dirty="0">
+              <a:latin typeface="맑은 고딕" panose="020B0503020000020004" pitchFamily="50" charset="-127"/>
+              <a:ea typeface="맑은 고딕" panose="020B0503020000020004" pitchFamily="50" charset="-127"/>
+            </a:endParaRPr>
+          </a:p>
+        </p:txBody>
+      </p:sp>
+      <p:sp>
+        <p:nvSpPr>
+          <p:cNvPr id="12" name="직사각형 11"/>
+          <p:cNvSpPr/>
+          <p:nvPr/>
+        </p:nvSpPr>
+        <p:spPr>
+          <a:xfrm>
+            <a:off x="0" y="1124456"/>
+            <a:ext cx="9144000" cy="338554"/>
+          </a:xfrm>
+          <a:prstGeom prst="rect">
+            <a:avLst/>
+          </a:prstGeom>
+        </p:spPr>
+        <p:txBody>
+          <a:bodyPr wrap="square">
+            <a:spAutoFit/>
+          </a:bodyPr>
+          <a:lstStyle/>
+          <a:p>
+            <a:r>
+              <a:rPr lang="en-US" altLang="ko-KR" sz="1600" dirty="0" smtClean="0"/>
+              <a:t>     - </a:t>
+            </a:r>
+            <a:r>
+              <a:rPr lang="ko-KR" altLang="en-US" sz="1600" dirty="0" smtClean="0"/>
+              <a:t>이벤트뷰어에서 </a:t>
+            </a:r>
+            <a:r>
+              <a:rPr lang="en-US" altLang="ko-KR" sz="1600" dirty="0" smtClean="0"/>
+              <a:t>Save </a:t>
+            </a:r>
+            <a:r>
+              <a:rPr lang="en-US" altLang="ko-KR" sz="1600" dirty="0"/>
+              <a:t>D</a:t>
+            </a:r>
+            <a:r>
+              <a:rPr lang="en-US" altLang="ko-KR" sz="1600" dirty="0" smtClean="0"/>
+              <a:t>ump</a:t>
+            </a:r>
+            <a:r>
+              <a:rPr lang="ko-KR" altLang="en-US" sz="1600" dirty="0" smtClean="0"/>
+              <a:t>로 오류 발견 시 혹은 </a:t>
+            </a:r>
+            <a:r>
+              <a:rPr lang="en-US" altLang="ko-KR" sz="1600" dirty="0" err="1" smtClean="0"/>
+              <a:t>WhoCrashed</a:t>
+            </a:r>
+            <a:r>
+              <a:rPr lang="ko-KR" altLang="en-US" sz="1600" dirty="0" smtClean="0"/>
+              <a:t>에서 오류 발견 시 참조 </a:t>
+            </a:r>
+            <a:endParaRPr lang="en-US" altLang="ko-KR" sz="1600" dirty="0" smtClean="0"/>
+          </a:p>
+        </p:txBody>
+      </p:sp>
+    </p:spTree>
+    <p:extLst>
+      <p:ext uri="{BB962C8B-B14F-4D97-AF65-F5344CB8AC3E}">
+        <p14:creationId xmlns:p14="http://schemas.microsoft.com/office/powerpoint/2010/main" val="4056039141"/>
+      </p:ext>
+    </p:extLst>
+  </p:cSld>
+  <p:clrMapOvr>
+    <a:masterClrMapping/>
+  </p:clrMapOvr>
+</p:sld>
+</file>
+
+<file path=ppt/slides/slide9.xml><?xml version="1.0" encoding="utf-8"?>
+<p:sld xmlns:a="http://schemas.openxmlformats.org/drawingml/2006/main" xmlns:r="http://schemas.openxmlformats.org/officeDocument/2006/relationships" xmlns:p="http://schemas.openxmlformats.org/presentationml/2006/main">
+  <p:cSld>
+    <p:spTree>
+      <p:nvGrpSpPr>
+        <p:cNvPr id="1" name=""/>
+        <p:cNvGrpSpPr/>
+        <p:nvPr/>
+      </p:nvGrpSpPr>
+      <p:grpSpPr>
+        <a:xfrm>
+          <a:off x="0" y="0"/>
+          <a:ext cx="0" cy="0"/>
+          <a:chOff x="0" y="0"/>
+          <a:chExt cx="0" cy="0"/>
+        </a:xfrm>
+      </p:grpSpPr>
+      <p:sp>
+        <p:nvSpPr>
+          <p:cNvPr id="3" name="슬라이드 번호 개체 틀 2"/>
+          <p:cNvSpPr>
+            <a:spLocks noGrp="1"/>
+          </p:cNvSpPr>
+          <p:nvPr>
+            <p:ph type="sldNum" sz="quarter" idx="4"/>
+          </p:nvPr>
+        </p:nvSpPr>
+        <p:spPr/>
+        <p:txBody>
+          <a:bodyPr/>
+          <a:lstStyle/>
+          <a:p>
+            <a:fld id="{92BF3AAA-F4FF-4737-B31E-0556F8679DC7}" type="slidenum">
+              <a:rPr lang="ko-KR" altLang="en-US" smtClean="0"/>
+              <a:pPr/>
+              <a:t>9</a:t>
+            </a:fld>
+            <a:endParaRPr lang="ko-KR" altLang="en-US"/>
+          </a:p>
+        </p:txBody>
+      </p:sp>
+      <p:sp>
+        <p:nvSpPr>
+          <p:cNvPr id="6" name="제목 2"/>
+          <p:cNvSpPr>
+            <a:spLocks noGrp="1"/>
+          </p:cNvSpPr>
+          <p:nvPr>
+            <p:ph type="title"/>
+          </p:nvPr>
+        </p:nvSpPr>
+        <p:spPr>
+          <a:xfrm>
+            <a:off x="251520" y="16916"/>
+            <a:ext cx="6840760" cy="678555"/>
+          </a:xfrm>
+        </p:spPr>
+        <p:txBody>
+          <a:bodyPr/>
+          <a:lstStyle/>
+          <a:p>
+            <a:r>
+              <a:rPr lang="en-US" altLang="ko-KR" spc="-300" dirty="0" err="1"/>
+              <a:t>WhoCrashed</a:t>
+            </a:r>
+            <a:r>
+              <a:rPr lang="en-US" altLang="ko-KR" spc="-300" dirty="0"/>
+              <a:t> SOP</a:t>
+            </a:r>
+          </a:p>
+        </p:txBody>
+      </p:sp>
+      <p:sp>
+        <p:nvSpPr>
+          <p:cNvPr id="8" name="직사각형 7"/>
+          <p:cNvSpPr/>
+          <p:nvPr/>
+        </p:nvSpPr>
+        <p:spPr>
+          <a:xfrm>
+            <a:off x="179512" y="713386"/>
+            <a:ext cx="4680520" cy="411358"/>
+          </a:xfrm>
+          <a:prstGeom prst="rect">
+            <a:avLst/>
+          </a:prstGeom>
+          <a:noFill/>
+        </p:spPr>
+        <p:txBody>
+          <a:bodyPr wrap="square" lIns="81197" tIns="0" rIns="31968" bIns="31968">
+            <a:spAutoFit/>
+          </a:bodyPr>
+          <a:lstStyle/>
+          <a:p>
+            <a:pPr defTabSz="913943" latinLnBrk="0">
+              <a:lnSpc>
+                <a:spcPct val="140000"/>
+              </a:lnSpc>
+              <a:spcBef>
+                <a:spcPts val="800"/>
+              </a:spcBef>
+              <a:buSzPct val="90000"/>
+              <a:buFontTx/>
+              <a:buBlip>
+                <a:blip r:embed="rId3"/>
+              </a:buBlip>
+              <a:defRPr/>
+            </a:pPr>
+            <a:r>
+              <a:rPr lang="en-US" altLang="ko-KR" sz="2000" b="1" kern="0" dirty="0" smtClean="0">
+                <a:latin typeface="맑은 고딕" panose="020B0503020000020004" pitchFamily="50" charset="-127"/>
+                <a:ea typeface="맑은 고딕" panose="020B0503020000020004" pitchFamily="50" charset="-127"/>
+              </a:rPr>
+              <a:t>Dump File Path</a:t>
+            </a:r>
+            <a:endParaRPr lang="en-US" altLang="ko-KR" sz="2000" b="1" kern="0" dirty="0">
+              <a:latin typeface="맑은 고딕" panose="020B0503020000020004" pitchFamily="50" charset="-127"/>
+              <a:ea typeface="맑은 고딕" panose="020B0503020000020004" pitchFamily="50" charset="-127"/>
+            </a:endParaRPr>
+          </a:p>
+        </p:txBody>
+      </p:sp>
+      <p:sp>
+        <p:nvSpPr>
+          <p:cNvPr id="7" name="직사각형 6"/>
+          <p:cNvSpPr/>
+          <p:nvPr/>
+        </p:nvSpPr>
+        <p:spPr>
+          <a:xfrm>
+            <a:off x="0" y="1124456"/>
+            <a:ext cx="9144000" cy="338554"/>
+          </a:xfrm>
+          <a:prstGeom prst="rect">
+            <a:avLst/>
+          </a:prstGeom>
+        </p:spPr>
+        <p:txBody>
+          <a:bodyPr wrap="square">
+            <a:spAutoFit/>
+          </a:bodyPr>
+          <a:lstStyle/>
+          <a:p>
+            <a:r>
+              <a:rPr lang="en-US" altLang="ko-KR" sz="1600" dirty="0" smtClean="0"/>
+              <a:t>     </a:t>
+            </a:r>
+            <a:r>
+              <a:rPr lang="en-US" altLang="ko-KR" sz="1600" dirty="0"/>
+              <a:t>- C:\Windows\Minidump</a:t>
+            </a:r>
+            <a:endParaRPr lang="en-US" altLang="ko-KR" sz="1600" dirty="0" smtClean="0"/>
+          </a:p>
+        </p:txBody>
+      </p:sp>
+    </p:spTree>
+    <p:extLst>
+      <p:ext uri="{BB962C8B-B14F-4D97-AF65-F5344CB8AC3E}">
+        <p14:creationId xmlns:p14="http://schemas.microsoft.com/office/powerpoint/2010/main" val="4139976829"/>
+      </p:ext>
+    </p:extLst>
+  </p:cSld>
+  <p:clrMapOvr>
+    <a:masterClrMapping/>
+  </p:clrMapOvr>
 </p:sld>
 </file>
 
